--- a/06.Personal Archives/04.CongNT/MS_Slide.pptx
+++ b/06.Personal Archives/04.CongNT/MS_Slide.pptx
@@ -3914,6 +3914,753 @@
 </file>
 
 <file path=ppt/diagrams/colors6.xml><?xml version="1.0" encoding="utf-8"?>
+<dgm:colorsDef xmlns:dgm="http://schemas.openxmlformats.org/drawingml/2006/diagram" xmlns:a="http://schemas.openxmlformats.org/drawingml/2006/main" uniqueId="urn:microsoft.com/office/officeart/2005/8/colors/accent1_2">
+  <dgm:title val=""/>
+  <dgm:desc val=""/>
+  <dgm:catLst>
+    <dgm:cat type="accent1" pri="11200"/>
+  </dgm:catLst>
+  <dgm:styleLbl name="node0">
+    <dgm:fillClrLst meth="repeat">
+      <a:schemeClr val="accent1"/>
+    </dgm:fillClrLst>
+    <dgm:linClrLst meth="repeat">
+      <a:schemeClr val="lt1"/>
+    </dgm:linClrLst>
+    <dgm:effectClrLst/>
+    <dgm:txLinClrLst/>
+    <dgm:txFillClrLst/>
+    <dgm:txEffectClrLst/>
+  </dgm:styleLbl>
+  <dgm:styleLbl name="alignNode1">
+    <dgm:fillClrLst meth="repeat">
+      <a:schemeClr val="accent1"/>
+    </dgm:fillClrLst>
+    <dgm:linClrLst meth="repeat">
+      <a:schemeClr val="accent1"/>
+    </dgm:linClrLst>
+    <dgm:effectClrLst/>
+    <dgm:txLinClrLst/>
+    <dgm:txFillClrLst/>
+    <dgm:txEffectClrLst/>
+  </dgm:styleLbl>
+  <dgm:styleLbl name="node1">
+    <dgm:fillClrLst meth="repeat">
+      <a:schemeClr val="accent1"/>
+    </dgm:fillClrLst>
+    <dgm:linClrLst meth="repeat">
+      <a:schemeClr val="lt1"/>
+    </dgm:linClrLst>
+    <dgm:effectClrLst/>
+    <dgm:txLinClrLst/>
+    <dgm:txFillClrLst/>
+    <dgm:txEffectClrLst/>
+  </dgm:styleLbl>
+  <dgm:styleLbl name="lnNode1">
+    <dgm:fillClrLst meth="repeat">
+      <a:schemeClr val="accent1"/>
+    </dgm:fillClrLst>
+    <dgm:linClrLst meth="repeat">
+      <a:schemeClr val="lt1"/>
+    </dgm:linClrLst>
+    <dgm:effectClrLst/>
+    <dgm:txLinClrLst/>
+    <dgm:txFillClrLst/>
+    <dgm:txEffectClrLst/>
+  </dgm:styleLbl>
+  <dgm:styleLbl name="vennNode1">
+    <dgm:fillClrLst meth="repeat">
+      <a:schemeClr val="accent1">
+        <a:alpha val="50000"/>
+      </a:schemeClr>
+    </dgm:fillClrLst>
+    <dgm:linClrLst meth="repeat">
+      <a:schemeClr val="lt1"/>
+    </dgm:linClrLst>
+    <dgm:effectClrLst/>
+    <dgm:txLinClrLst/>
+    <dgm:txFillClrLst/>
+    <dgm:txEffectClrLst/>
+  </dgm:styleLbl>
+  <dgm:styleLbl name="node2">
+    <dgm:fillClrLst meth="repeat">
+      <a:schemeClr val="accent1"/>
+    </dgm:fillClrLst>
+    <dgm:linClrLst meth="repeat">
+      <a:schemeClr val="lt1"/>
+    </dgm:linClrLst>
+    <dgm:effectClrLst/>
+    <dgm:txLinClrLst/>
+    <dgm:txFillClrLst/>
+    <dgm:txEffectClrLst/>
+  </dgm:styleLbl>
+  <dgm:styleLbl name="node3">
+    <dgm:fillClrLst meth="repeat">
+      <a:schemeClr val="accent1"/>
+    </dgm:fillClrLst>
+    <dgm:linClrLst meth="repeat">
+      <a:schemeClr val="lt1"/>
+    </dgm:linClrLst>
+    <dgm:effectClrLst/>
+    <dgm:txLinClrLst/>
+    <dgm:txFillClrLst/>
+    <dgm:txEffectClrLst/>
+  </dgm:styleLbl>
+  <dgm:styleLbl name="node4">
+    <dgm:fillClrLst meth="repeat">
+      <a:schemeClr val="accent1"/>
+    </dgm:fillClrLst>
+    <dgm:linClrLst meth="repeat">
+      <a:schemeClr val="lt1"/>
+    </dgm:linClrLst>
+    <dgm:effectClrLst/>
+    <dgm:txLinClrLst/>
+    <dgm:txFillClrLst/>
+    <dgm:txEffectClrLst/>
+  </dgm:styleLbl>
+  <dgm:styleLbl name="fgImgPlace1">
+    <dgm:fillClrLst meth="repeat">
+      <a:schemeClr val="accent1">
+        <a:tint val="50000"/>
+      </a:schemeClr>
+    </dgm:fillClrLst>
+    <dgm:linClrLst meth="repeat">
+      <a:schemeClr val="lt1"/>
+    </dgm:linClrLst>
+    <dgm:effectClrLst/>
+    <dgm:txLinClrLst/>
+    <dgm:txFillClrLst meth="repeat">
+      <a:schemeClr val="lt1"/>
+    </dgm:txFillClrLst>
+    <dgm:txEffectClrLst/>
+  </dgm:styleLbl>
+  <dgm:styleLbl name="alignImgPlace1">
+    <dgm:fillClrLst meth="repeat">
+      <a:schemeClr val="accent1">
+        <a:tint val="50000"/>
+      </a:schemeClr>
+    </dgm:fillClrLst>
+    <dgm:linClrLst meth="repeat">
+      <a:schemeClr val="lt1"/>
+    </dgm:linClrLst>
+    <dgm:effectClrLst/>
+    <dgm:txLinClrLst/>
+    <dgm:txFillClrLst meth="repeat">
+      <a:schemeClr val="lt1"/>
+    </dgm:txFillClrLst>
+    <dgm:txEffectClrLst/>
+  </dgm:styleLbl>
+  <dgm:styleLbl name="bgImgPlace1">
+    <dgm:fillClrLst meth="repeat">
+      <a:schemeClr val="accent1">
+        <a:tint val="50000"/>
+      </a:schemeClr>
+    </dgm:fillClrLst>
+    <dgm:linClrLst meth="repeat">
+      <a:schemeClr val="lt1"/>
+    </dgm:linClrLst>
+    <dgm:effectClrLst/>
+    <dgm:txLinClrLst/>
+    <dgm:txFillClrLst meth="repeat">
+      <a:schemeClr val="lt1"/>
+    </dgm:txFillClrLst>
+    <dgm:txEffectClrLst/>
+  </dgm:styleLbl>
+  <dgm:styleLbl name="sibTrans2D1">
+    <dgm:fillClrLst meth="repeat">
+      <a:schemeClr val="accent1">
+        <a:tint val="60000"/>
+      </a:schemeClr>
+    </dgm:fillClrLst>
+    <dgm:linClrLst meth="repeat">
+      <a:schemeClr val="accent1">
+        <a:tint val="60000"/>
+      </a:schemeClr>
+    </dgm:linClrLst>
+    <dgm:effectClrLst/>
+    <dgm:txLinClrLst/>
+    <dgm:txFillClrLst/>
+    <dgm:txEffectClrLst/>
+  </dgm:styleLbl>
+  <dgm:styleLbl name="fgSibTrans2D1">
+    <dgm:fillClrLst meth="repeat">
+      <a:schemeClr val="accent1">
+        <a:tint val="60000"/>
+      </a:schemeClr>
+    </dgm:fillClrLst>
+    <dgm:linClrLst meth="repeat">
+      <a:schemeClr val="accent1">
+        <a:tint val="60000"/>
+      </a:schemeClr>
+    </dgm:linClrLst>
+    <dgm:effectClrLst/>
+    <dgm:txLinClrLst/>
+    <dgm:txFillClrLst/>
+    <dgm:txEffectClrLst/>
+  </dgm:styleLbl>
+  <dgm:styleLbl name="bgSibTrans2D1">
+    <dgm:fillClrLst meth="repeat">
+      <a:schemeClr val="accent1">
+        <a:tint val="60000"/>
+      </a:schemeClr>
+    </dgm:fillClrLst>
+    <dgm:linClrLst meth="repeat">
+      <a:schemeClr val="accent1">
+        <a:tint val="60000"/>
+      </a:schemeClr>
+    </dgm:linClrLst>
+    <dgm:effectClrLst/>
+    <dgm:txLinClrLst/>
+    <dgm:txFillClrLst/>
+    <dgm:txEffectClrLst/>
+  </dgm:styleLbl>
+  <dgm:styleLbl name="sibTrans1D1">
+    <dgm:fillClrLst meth="repeat">
+      <a:schemeClr val="accent1"/>
+    </dgm:fillClrLst>
+    <dgm:linClrLst meth="repeat">
+      <a:schemeClr val="accent1"/>
+    </dgm:linClrLst>
+    <dgm:effectClrLst/>
+    <dgm:txLinClrLst/>
+    <dgm:txFillClrLst meth="repeat">
+      <a:schemeClr val="tx1"/>
+    </dgm:txFillClrLst>
+    <dgm:txEffectClrLst/>
+  </dgm:styleLbl>
+  <dgm:styleLbl name="callout">
+    <dgm:fillClrLst meth="repeat">
+      <a:schemeClr val="accent1"/>
+    </dgm:fillClrLst>
+    <dgm:linClrLst meth="repeat">
+      <a:schemeClr val="accent1">
+        <a:tint val="50000"/>
+      </a:schemeClr>
+    </dgm:linClrLst>
+    <dgm:effectClrLst/>
+    <dgm:txLinClrLst/>
+    <dgm:txFillClrLst meth="repeat">
+      <a:schemeClr val="tx1"/>
+    </dgm:txFillClrLst>
+    <dgm:txEffectClrLst/>
+  </dgm:styleLbl>
+  <dgm:styleLbl name="asst0">
+    <dgm:fillClrLst meth="repeat">
+      <a:schemeClr val="accent1"/>
+    </dgm:fillClrLst>
+    <dgm:linClrLst meth="repeat">
+      <a:schemeClr val="lt1"/>
+    </dgm:linClrLst>
+    <dgm:effectClrLst/>
+    <dgm:txLinClrLst/>
+    <dgm:txFillClrLst/>
+    <dgm:txEffectClrLst/>
+  </dgm:styleLbl>
+  <dgm:styleLbl name="asst1">
+    <dgm:fillClrLst meth="repeat">
+      <a:schemeClr val="accent1"/>
+    </dgm:fillClrLst>
+    <dgm:linClrLst meth="repeat">
+      <a:schemeClr val="lt1"/>
+    </dgm:linClrLst>
+    <dgm:effectClrLst/>
+    <dgm:txLinClrLst/>
+    <dgm:txFillClrLst/>
+    <dgm:txEffectClrLst/>
+  </dgm:styleLbl>
+  <dgm:styleLbl name="asst2">
+    <dgm:fillClrLst meth="repeat">
+      <a:schemeClr val="accent1"/>
+    </dgm:fillClrLst>
+    <dgm:linClrLst meth="repeat">
+      <a:schemeClr val="lt1"/>
+    </dgm:linClrLst>
+    <dgm:effectClrLst/>
+    <dgm:txLinClrLst/>
+    <dgm:txFillClrLst/>
+    <dgm:txEffectClrLst/>
+  </dgm:styleLbl>
+  <dgm:styleLbl name="asst3">
+    <dgm:fillClrLst meth="repeat">
+      <a:schemeClr val="accent1"/>
+    </dgm:fillClrLst>
+    <dgm:linClrLst meth="repeat">
+      <a:schemeClr val="lt1"/>
+    </dgm:linClrLst>
+    <dgm:effectClrLst/>
+    <dgm:txLinClrLst/>
+    <dgm:txFillClrLst/>
+    <dgm:txEffectClrLst/>
+  </dgm:styleLbl>
+  <dgm:styleLbl name="asst4">
+    <dgm:fillClrLst meth="repeat">
+      <a:schemeClr val="accent1"/>
+    </dgm:fillClrLst>
+    <dgm:linClrLst meth="repeat">
+      <a:schemeClr val="lt1"/>
+    </dgm:linClrLst>
+    <dgm:effectClrLst/>
+    <dgm:txLinClrLst/>
+    <dgm:txFillClrLst/>
+    <dgm:txEffectClrLst/>
+  </dgm:styleLbl>
+  <dgm:styleLbl name="parChTrans2D1">
+    <dgm:fillClrLst meth="repeat">
+      <a:schemeClr val="accent1">
+        <a:tint val="60000"/>
+      </a:schemeClr>
+    </dgm:fillClrLst>
+    <dgm:linClrLst meth="repeat">
+      <a:schemeClr val="accent1">
+        <a:tint val="60000"/>
+      </a:schemeClr>
+    </dgm:linClrLst>
+    <dgm:effectClrLst/>
+    <dgm:txLinClrLst/>
+    <dgm:txFillClrLst meth="repeat">
+      <a:schemeClr val="lt1"/>
+    </dgm:txFillClrLst>
+    <dgm:txEffectClrLst/>
+  </dgm:styleLbl>
+  <dgm:styleLbl name="parChTrans2D2">
+    <dgm:fillClrLst meth="repeat">
+      <a:schemeClr val="accent1"/>
+    </dgm:fillClrLst>
+    <dgm:linClrLst meth="repeat">
+      <a:schemeClr val="accent1"/>
+    </dgm:linClrLst>
+    <dgm:effectClrLst/>
+    <dgm:txLinClrLst/>
+    <dgm:txFillClrLst meth="repeat">
+      <a:schemeClr val="lt1"/>
+    </dgm:txFillClrLst>
+    <dgm:txEffectClrLst/>
+  </dgm:styleLbl>
+  <dgm:styleLbl name="parChTrans2D3">
+    <dgm:fillClrLst meth="repeat">
+      <a:schemeClr val="accent1"/>
+    </dgm:fillClrLst>
+    <dgm:linClrLst meth="repeat">
+      <a:schemeClr val="accent1"/>
+    </dgm:linClrLst>
+    <dgm:effectClrLst/>
+    <dgm:txLinClrLst/>
+    <dgm:txFillClrLst meth="repeat">
+      <a:schemeClr val="lt1"/>
+    </dgm:txFillClrLst>
+    <dgm:txEffectClrLst/>
+  </dgm:styleLbl>
+  <dgm:styleLbl name="parChTrans2D4">
+    <dgm:fillClrLst meth="repeat">
+      <a:schemeClr val="accent1"/>
+    </dgm:fillClrLst>
+    <dgm:linClrLst meth="repeat">
+      <a:schemeClr val="accent1"/>
+    </dgm:linClrLst>
+    <dgm:effectClrLst/>
+    <dgm:txLinClrLst/>
+    <dgm:txFillClrLst meth="repeat">
+      <a:schemeClr val="lt1"/>
+    </dgm:txFillClrLst>
+    <dgm:txEffectClrLst/>
+  </dgm:styleLbl>
+  <dgm:styleLbl name="parChTrans1D1">
+    <dgm:fillClrLst meth="repeat">
+      <a:schemeClr val="accent1"/>
+    </dgm:fillClrLst>
+    <dgm:linClrLst meth="repeat">
+      <a:schemeClr val="accent1">
+        <a:shade val="60000"/>
+      </a:schemeClr>
+    </dgm:linClrLst>
+    <dgm:effectClrLst/>
+    <dgm:txLinClrLst/>
+    <dgm:txFillClrLst meth="repeat">
+      <a:schemeClr val="tx1"/>
+    </dgm:txFillClrLst>
+    <dgm:txEffectClrLst/>
+  </dgm:styleLbl>
+  <dgm:styleLbl name="parChTrans1D2">
+    <dgm:fillClrLst meth="repeat">
+      <a:schemeClr val="accent1"/>
+    </dgm:fillClrLst>
+    <dgm:linClrLst meth="repeat">
+      <a:schemeClr val="accent1">
+        <a:shade val="60000"/>
+      </a:schemeClr>
+    </dgm:linClrLst>
+    <dgm:effectClrLst/>
+    <dgm:txLinClrLst/>
+    <dgm:txFillClrLst meth="repeat">
+      <a:schemeClr val="tx1"/>
+    </dgm:txFillClrLst>
+    <dgm:txEffectClrLst/>
+  </dgm:styleLbl>
+  <dgm:styleLbl name="parChTrans1D3">
+    <dgm:fillClrLst meth="repeat">
+      <a:schemeClr val="accent1"/>
+    </dgm:fillClrLst>
+    <dgm:linClrLst meth="repeat">
+      <a:schemeClr val="accent1">
+        <a:shade val="80000"/>
+      </a:schemeClr>
+    </dgm:linClrLst>
+    <dgm:effectClrLst/>
+    <dgm:txLinClrLst/>
+    <dgm:txFillClrLst meth="repeat">
+      <a:schemeClr val="tx1"/>
+    </dgm:txFillClrLst>
+    <dgm:txEffectClrLst/>
+  </dgm:styleLbl>
+  <dgm:styleLbl name="parChTrans1D4">
+    <dgm:fillClrLst meth="repeat">
+      <a:schemeClr val="accent1"/>
+    </dgm:fillClrLst>
+    <dgm:linClrLst meth="repeat">
+      <a:schemeClr val="accent1">
+        <a:shade val="80000"/>
+      </a:schemeClr>
+    </dgm:linClrLst>
+    <dgm:effectClrLst/>
+    <dgm:txLinClrLst/>
+    <dgm:txFillClrLst meth="repeat">
+      <a:schemeClr val="tx1"/>
+    </dgm:txFillClrLst>
+    <dgm:txEffectClrLst/>
+  </dgm:styleLbl>
+  <dgm:styleLbl name="fgAcc1">
+    <dgm:fillClrLst meth="repeat">
+      <a:schemeClr val="lt1">
+        <a:alpha val="90000"/>
+      </a:schemeClr>
+    </dgm:fillClrLst>
+    <dgm:linClrLst meth="repeat">
+      <a:schemeClr val="accent1"/>
+    </dgm:linClrLst>
+    <dgm:effectClrLst/>
+    <dgm:txLinClrLst/>
+    <dgm:txFillClrLst meth="repeat">
+      <a:schemeClr val="dk1"/>
+    </dgm:txFillClrLst>
+    <dgm:txEffectClrLst/>
+  </dgm:styleLbl>
+  <dgm:styleLbl name="conFgAcc1">
+    <dgm:fillClrLst meth="repeat">
+      <a:schemeClr val="lt1">
+        <a:alpha val="90000"/>
+      </a:schemeClr>
+    </dgm:fillClrLst>
+    <dgm:linClrLst meth="repeat">
+      <a:schemeClr val="accent1"/>
+    </dgm:linClrLst>
+    <dgm:effectClrLst/>
+    <dgm:txLinClrLst/>
+    <dgm:txFillClrLst meth="repeat">
+      <a:schemeClr val="dk1"/>
+    </dgm:txFillClrLst>
+    <dgm:txEffectClrLst/>
+  </dgm:styleLbl>
+  <dgm:styleLbl name="alignAcc1">
+    <dgm:fillClrLst meth="repeat">
+      <a:schemeClr val="lt1">
+        <a:alpha val="90000"/>
+      </a:schemeClr>
+    </dgm:fillClrLst>
+    <dgm:linClrLst meth="repeat">
+      <a:schemeClr val="accent1"/>
+    </dgm:linClrLst>
+    <dgm:effectClrLst/>
+    <dgm:txLinClrLst/>
+    <dgm:txFillClrLst meth="repeat">
+      <a:schemeClr val="dk1"/>
+    </dgm:txFillClrLst>
+    <dgm:txEffectClrLst/>
+  </dgm:styleLbl>
+  <dgm:styleLbl name="trAlignAcc1">
+    <dgm:fillClrLst meth="repeat">
+      <a:schemeClr val="lt1">
+        <a:alpha val="40000"/>
+      </a:schemeClr>
+    </dgm:fillClrLst>
+    <dgm:linClrLst meth="repeat">
+      <a:schemeClr val="accent1"/>
+    </dgm:linClrLst>
+    <dgm:effectClrLst/>
+    <dgm:txLinClrLst/>
+    <dgm:txFillClrLst meth="repeat">
+      <a:schemeClr val="dk1"/>
+    </dgm:txFillClrLst>
+    <dgm:txEffectClrLst/>
+  </dgm:styleLbl>
+  <dgm:styleLbl name="bgAcc1">
+    <dgm:fillClrLst meth="repeat">
+      <a:schemeClr val="lt1">
+        <a:alpha val="90000"/>
+      </a:schemeClr>
+    </dgm:fillClrLst>
+    <dgm:linClrLst meth="repeat">
+      <a:schemeClr val="accent1"/>
+    </dgm:linClrLst>
+    <dgm:effectClrLst/>
+    <dgm:txLinClrLst/>
+    <dgm:txFillClrLst meth="repeat">
+      <a:schemeClr val="dk1"/>
+    </dgm:txFillClrLst>
+    <dgm:txEffectClrLst/>
+  </dgm:styleLbl>
+  <dgm:styleLbl name="solidFgAcc1">
+    <dgm:fillClrLst meth="repeat">
+      <a:schemeClr val="lt1"/>
+    </dgm:fillClrLst>
+    <dgm:linClrLst meth="repeat">
+      <a:schemeClr val="accent1"/>
+    </dgm:linClrLst>
+    <dgm:effectClrLst/>
+    <dgm:txLinClrLst/>
+    <dgm:txFillClrLst meth="repeat">
+      <a:schemeClr val="dk1"/>
+    </dgm:txFillClrLst>
+    <dgm:txEffectClrLst/>
+  </dgm:styleLbl>
+  <dgm:styleLbl name="solidAlignAcc1">
+    <dgm:fillClrLst meth="repeat">
+      <a:schemeClr val="lt1"/>
+    </dgm:fillClrLst>
+    <dgm:linClrLst meth="repeat">
+      <a:schemeClr val="accent1"/>
+    </dgm:linClrLst>
+    <dgm:effectClrLst/>
+    <dgm:txLinClrLst/>
+    <dgm:txFillClrLst meth="repeat">
+      <a:schemeClr val="dk1"/>
+    </dgm:txFillClrLst>
+    <dgm:txEffectClrLst/>
+  </dgm:styleLbl>
+  <dgm:styleLbl name="solidBgAcc1">
+    <dgm:fillClrLst meth="repeat">
+      <a:schemeClr val="lt1"/>
+    </dgm:fillClrLst>
+    <dgm:linClrLst meth="repeat">
+      <a:schemeClr val="accent1"/>
+    </dgm:linClrLst>
+    <dgm:effectClrLst/>
+    <dgm:txLinClrLst/>
+    <dgm:txFillClrLst meth="repeat">
+      <a:schemeClr val="dk1"/>
+    </dgm:txFillClrLst>
+    <dgm:txEffectClrLst/>
+  </dgm:styleLbl>
+  <dgm:styleLbl name="fgAccFollowNode1">
+    <dgm:fillClrLst meth="repeat">
+      <a:schemeClr val="accent1">
+        <a:alpha val="90000"/>
+        <a:tint val="40000"/>
+      </a:schemeClr>
+    </dgm:fillClrLst>
+    <dgm:linClrLst meth="repeat">
+      <a:schemeClr val="accent1">
+        <a:alpha val="90000"/>
+        <a:tint val="40000"/>
+      </a:schemeClr>
+    </dgm:linClrLst>
+    <dgm:effectClrLst/>
+    <dgm:txLinClrLst/>
+    <dgm:txFillClrLst meth="repeat">
+      <a:schemeClr val="dk1"/>
+    </dgm:txFillClrLst>
+    <dgm:txEffectClrLst/>
+  </dgm:styleLbl>
+  <dgm:styleLbl name="alignAccFollowNode1">
+    <dgm:fillClrLst meth="repeat">
+      <a:schemeClr val="accent1">
+        <a:alpha val="90000"/>
+        <a:tint val="40000"/>
+      </a:schemeClr>
+    </dgm:fillClrLst>
+    <dgm:linClrLst meth="repeat">
+      <a:schemeClr val="accent1">
+        <a:alpha val="90000"/>
+        <a:tint val="40000"/>
+      </a:schemeClr>
+    </dgm:linClrLst>
+    <dgm:effectClrLst/>
+    <dgm:txLinClrLst/>
+    <dgm:txFillClrLst meth="repeat">
+      <a:schemeClr val="dk1"/>
+    </dgm:txFillClrLst>
+    <dgm:txEffectClrLst/>
+  </dgm:styleLbl>
+  <dgm:styleLbl name="bgAccFollowNode1">
+    <dgm:fillClrLst meth="repeat">
+      <a:schemeClr val="accent1">
+        <a:alpha val="90000"/>
+        <a:tint val="40000"/>
+      </a:schemeClr>
+    </dgm:fillClrLst>
+    <dgm:linClrLst meth="repeat">
+      <a:schemeClr val="accent1">
+        <a:alpha val="90000"/>
+        <a:tint val="40000"/>
+      </a:schemeClr>
+    </dgm:linClrLst>
+    <dgm:effectClrLst/>
+    <dgm:txLinClrLst/>
+    <dgm:txFillClrLst meth="repeat">
+      <a:schemeClr val="dk1"/>
+    </dgm:txFillClrLst>
+    <dgm:txEffectClrLst/>
+  </dgm:styleLbl>
+  <dgm:styleLbl name="fgAcc0">
+    <dgm:fillClrLst meth="repeat">
+      <a:schemeClr val="lt1">
+        <a:alpha val="90000"/>
+      </a:schemeClr>
+    </dgm:fillClrLst>
+    <dgm:linClrLst meth="repeat">
+      <a:schemeClr val="accent1"/>
+    </dgm:linClrLst>
+    <dgm:effectClrLst/>
+    <dgm:txLinClrLst/>
+    <dgm:txFillClrLst meth="repeat">
+      <a:schemeClr val="dk1"/>
+    </dgm:txFillClrLst>
+    <dgm:txEffectClrLst/>
+  </dgm:styleLbl>
+  <dgm:styleLbl name="fgAcc2">
+    <dgm:fillClrLst meth="repeat">
+      <a:schemeClr val="lt1">
+        <a:alpha val="90000"/>
+      </a:schemeClr>
+    </dgm:fillClrLst>
+    <dgm:linClrLst meth="repeat">
+      <a:schemeClr val="accent1"/>
+    </dgm:linClrLst>
+    <dgm:effectClrLst/>
+    <dgm:txLinClrLst/>
+    <dgm:txFillClrLst meth="repeat">
+      <a:schemeClr val="dk1"/>
+    </dgm:txFillClrLst>
+    <dgm:txEffectClrLst/>
+  </dgm:styleLbl>
+  <dgm:styleLbl name="fgAcc3">
+    <dgm:fillClrLst meth="repeat">
+      <a:schemeClr val="lt1">
+        <a:alpha val="90000"/>
+      </a:schemeClr>
+    </dgm:fillClrLst>
+    <dgm:linClrLst meth="repeat">
+      <a:schemeClr val="accent1"/>
+    </dgm:linClrLst>
+    <dgm:effectClrLst/>
+    <dgm:txLinClrLst/>
+    <dgm:txFillClrLst meth="repeat">
+      <a:schemeClr val="dk1"/>
+    </dgm:txFillClrLst>
+    <dgm:txEffectClrLst/>
+  </dgm:styleLbl>
+  <dgm:styleLbl name="fgAcc4">
+    <dgm:fillClrLst meth="repeat">
+      <a:schemeClr val="lt1">
+        <a:alpha val="90000"/>
+      </a:schemeClr>
+    </dgm:fillClrLst>
+    <dgm:linClrLst meth="repeat">
+      <a:schemeClr val="accent1"/>
+    </dgm:linClrLst>
+    <dgm:effectClrLst/>
+    <dgm:txLinClrLst/>
+    <dgm:txFillClrLst meth="repeat">
+      <a:schemeClr val="dk1"/>
+    </dgm:txFillClrLst>
+    <dgm:txEffectClrLst/>
+  </dgm:styleLbl>
+  <dgm:styleLbl name="bgShp">
+    <dgm:fillClrLst meth="repeat">
+      <a:schemeClr val="accent1">
+        <a:tint val="40000"/>
+      </a:schemeClr>
+    </dgm:fillClrLst>
+    <dgm:linClrLst meth="repeat">
+      <a:schemeClr val="accent1"/>
+    </dgm:linClrLst>
+    <dgm:effectClrLst/>
+    <dgm:txLinClrLst/>
+    <dgm:txFillClrLst meth="repeat">
+      <a:schemeClr val="dk1"/>
+    </dgm:txFillClrLst>
+    <dgm:txEffectClrLst/>
+  </dgm:styleLbl>
+  <dgm:styleLbl name="dkBgShp">
+    <dgm:fillClrLst meth="repeat">
+      <a:schemeClr val="accent1">
+        <a:shade val="80000"/>
+      </a:schemeClr>
+    </dgm:fillClrLst>
+    <dgm:linClrLst meth="repeat">
+      <a:schemeClr val="accent1"/>
+    </dgm:linClrLst>
+    <dgm:effectClrLst/>
+    <dgm:txLinClrLst/>
+    <dgm:txFillClrLst meth="repeat">
+      <a:schemeClr val="lt1"/>
+    </dgm:txFillClrLst>
+    <dgm:txEffectClrLst/>
+  </dgm:styleLbl>
+  <dgm:styleLbl name="trBgShp">
+    <dgm:fillClrLst meth="repeat">
+      <a:schemeClr val="accent1">
+        <a:tint val="50000"/>
+        <a:alpha val="40000"/>
+      </a:schemeClr>
+    </dgm:fillClrLst>
+    <dgm:linClrLst meth="repeat">
+      <a:schemeClr val="accent1"/>
+    </dgm:linClrLst>
+    <dgm:effectClrLst/>
+    <dgm:txLinClrLst/>
+    <dgm:txFillClrLst meth="repeat">
+      <a:schemeClr val="lt1"/>
+    </dgm:txFillClrLst>
+    <dgm:txEffectClrLst/>
+  </dgm:styleLbl>
+  <dgm:styleLbl name="fgShp">
+    <dgm:fillClrLst meth="repeat">
+      <a:schemeClr val="accent1">
+        <a:tint val="60000"/>
+      </a:schemeClr>
+    </dgm:fillClrLst>
+    <dgm:linClrLst meth="repeat">
+      <a:schemeClr val="lt1"/>
+    </dgm:linClrLst>
+    <dgm:effectClrLst/>
+    <dgm:txLinClrLst/>
+    <dgm:txFillClrLst meth="repeat">
+      <a:schemeClr val="dk1"/>
+    </dgm:txFillClrLst>
+    <dgm:txEffectClrLst/>
+  </dgm:styleLbl>
+  <dgm:styleLbl name="revTx">
+    <dgm:fillClrLst meth="repeat">
+      <a:schemeClr val="lt1">
+        <a:alpha val="0"/>
+      </a:schemeClr>
+    </dgm:fillClrLst>
+    <dgm:linClrLst meth="repeat">
+      <a:schemeClr val="dk1">
+        <a:alpha val="0"/>
+      </a:schemeClr>
+    </dgm:linClrLst>
+    <dgm:effectClrLst/>
+    <dgm:txLinClrLst/>
+    <dgm:txFillClrLst meth="repeat">
+      <a:schemeClr val="tx1"/>
+    </dgm:txFillClrLst>
+    <dgm:txEffectClrLst/>
+  </dgm:styleLbl>
+</dgm:colorsDef>
+</file>
+
+<file path=ppt/diagrams/colors7.xml><?xml version="1.0" encoding="utf-8"?>
 <dgm:colorsDef xmlns:dgm="http://schemas.openxmlformats.org/drawingml/2006/diagram" xmlns:a="http://schemas.openxmlformats.org/drawingml/2006/main" uniqueId="urn:microsoft.com/office/officeart/2005/8/colors/accent1_2">
   <dgm:title val=""/>
   <dgm:desc val=""/>
@@ -6529,6 +7276,291 @@
 <file path=ppt/diagrams/data6.xml><?xml version="1.0" encoding="utf-8"?>
 <dgm:dataModel xmlns:dgm="http://schemas.openxmlformats.org/drawingml/2006/diagram" xmlns:a="http://schemas.openxmlformats.org/drawingml/2006/main">
   <dgm:ptLst>
+    <dgm:pt modelId="{1A79398A-9883-4E65-8729-7A094A6673FF}" type="doc">
+      <dgm:prSet loTypeId="urn:microsoft.com/office/officeart/2005/8/layout/process2" loCatId="process" qsTypeId="urn:microsoft.com/office/officeart/2005/8/quickstyle/simple1" qsCatId="simple" csTypeId="urn:microsoft.com/office/officeart/2005/8/colors/accent1_2" csCatId="accent1" phldr="1"/>
+      <dgm:spPr/>
+    </dgm:pt>
+    <dgm:pt modelId="{EDCAAF2E-B876-47D0-9E46-FE3B40595C7A}">
+      <dgm:prSet phldrT="[Text]" custT="1"/>
+      <dgm:spPr/>
+      <dgm:t>
+        <a:bodyPr/>
+        <a:lstStyle/>
+        <a:p>
+          <a:r>
+            <a:rPr lang="en-US" sz="2400" dirty="0" smtClean="0"/>
+            <a:t>Maid mediator creates job request</a:t>
+          </a:r>
+          <a:endParaRPr lang="en-US" sz="2400" dirty="0"/>
+        </a:p>
+      </dgm:t>
+    </dgm:pt>
+    <dgm:pt modelId="{DC9E5701-AD2A-4E92-82BC-016013BD7549}" type="parTrans" cxnId="{CE86112F-D344-44E7-A615-1EA0C445AD07}">
+      <dgm:prSet/>
+      <dgm:spPr/>
+      <dgm:t>
+        <a:bodyPr/>
+        <a:lstStyle/>
+        <a:p>
+          <a:endParaRPr lang="en-US"/>
+        </a:p>
+      </dgm:t>
+    </dgm:pt>
+    <dgm:pt modelId="{B3075F23-238C-4C8C-83E2-4321F91945E3}" type="sibTrans" cxnId="{CE86112F-D344-44E7-A615-1EA0C445AD07}">
+      <dgm:prSet/>
+      <dgm:spPr/>
+      <dgm:t>
+        <a:bodyPr/>
+        <a:lstStyle/>
+        <a:p>
+          <a:endParaRPr lang="en-US"/>
+        </a:p>
+      </dgm:t>
+    </dgm:pt>
+    <dgm:pt modelId="{C0D49A40-7818-43A3-88B5-4345DAC73C57}">
+      <dgm:prSet phldrT="[Text]" custT="1"/>
+      <dgm:spPr/>
+      <dgm:t>
+        <a:bodyPr/>
+        <a:lstStyle/>
+        <a:p>
+          <a:r>
+            <a:rPr lang="en-US" sz="2400" dirty="0" smtClean="0"/>
+            <a:t>Maid mediator posts job request</a:t>
+          </a:r>
+          <a:endParaRPr lang="en-US" sz="2400" dirty="0"/>
+        </a:p>
+      </dgm:t>
+    </dgm:pt>
+    <dgm:pt modelId="{4F17FD9D-F980-46AB-AC27-76DCDA9D7F32}" type="parTrans" cxnId="{8087C10D-84F9-4AB2-8CD1-35A917C3BAA8}">
+      <dgm:prSet/>
+      <dgm:spPr/>
+      <dgm:t>
+        <a:bodyPr/>
+        <a:lstStyle/>
+        <a:p>
+          <a:endParaRPr lang="en-US"/>
+        </a:p>
+      </dgm:t>
+    </dgm:pt>
+    <dgm:pt modelId="{777BF9B2-C8CD-4C8D-801C-A53A2FF2AEFF}" type="sibTrans" cxnId="{8087C10D-84F9-4AB2-8CD1-35A917C3BAA8}">
+      <dgm:prSet/>
+      <dgm:spPr/>
+      <dgm:t>
+        <a:bodyPr/>
+        <a:lstStyle/>
+        <a:p>
+          <a:endParaRPr lang="en-US"/>
+        </a:p>
+      </dgm:t>
+    </dgm:pt>
+    <dgm:pt modelId="{F70CE032-2683-4E46-BD35-08772FA7134C}">
+      <dgm:prSet phldrT="[Text]" custT="1"/>
+      <dgm:spPr/>
+      <dgm:t>
+        <a:bodyPr/>
+        <a:lstStyle/>
+        <a:p>
+          <a:r>
+            <a:rPr lang="en-US" sz="2400" dirty="0" smtClean="0"/>
+            <a:t>Maid or maid mediator comes to pay for job request</a:t>
+          </a:r>
+          <a:endParaRPr lang="en-US" sz="2400" dirty="0"/>
+        </a:p>
+      </dgm:t>
+    </dgm:pt>
+    <dgm:pt modelId="{E954EC2E-05C4-4D26-9EE1-0DC500D0C18A}" type="parTrans" cxnId="{8D1B0F0E-2528-4EE0-89EF-4585A8C25623}">
+      <dgm:prSet/>
+      <dgm:spPr/>
+      <dgm:t>
+        <a:bodyPr/>
+        <a:lstStyle/>
+        <a:p>
+          <a:endParaRPr lang="en-US"/>
+        </a:p>
+      </dgm:t>
+    </dgm:pt>
+    <dgm:pt modelId="{9D921340-A1C7-4C32-9E18-AC228DCE5EBD}" type="sibTrans" cxnId="{8D1B0F0E-2528-4EE0-89EF-4585A8C25623}">
+      <dgm:prSet/>
+      <dgm:spPr/>
+      <dgm:t>
+        <a:bodyPr/>
+        <a:lstStyle/>
+        <a:p>
+          <a:endParaRPr lang="en-US"/>
+        </a:p>
+      </dgm:t>
+    </dgm:pt>
+    <dgm:pt modelId="{9AAE2782-5FBC-428B-BD38-452689FC7781}">
+      <dgm:prSet phldrT="[Text]" custT="1"/>
+      <dgm:spPr/>
+      <dgm:t>
+        <a:bodyPr/>
+        <a:lstStyle/>
+        <a:p>
+          <a:r>
+            <a:rPr lang="en-US" sz="2400" dirty="0" smtClean="0"/>
+            <a:t>Staff activates job request</a:t>
+          </a:r>
+          <a:endParaRPr lang="en-US" sz="2400" dirty="0"/>
+        </a:p>
+      </dgm:t>
+    </dgm:pt>
+    <dgm:pt modelId="{812CCCE9-00A0-4C2A-9513-36D21EF03619}" type="parTrans" cxnId="{BA78FB64-626D-49FE-8938-42409046EC87}">
+      <dgm:prSet/>
+      <dgm:spPr/>
+      <dgm:t>
+        <a:bodyPr/>
+        <a:lstStyle/>
+        <a:p>
+          <a:endParaRPr lang="en-US"/>
+        </a:p>
+      </dgm:t>
+    </dgm:pt>
+    <dgm:pt modelId="{F12A3EA9-1876-4D02-9D18-012652832DC4}" type="sibTrans" cxnId="{BA78FB64-626D-49FE-8938-42409046EC87}">
+      <dgm:prSet/>
+      <dgm:spPr/>
+      <dgm:t>
+        <a:bodyPr/>
+        <a:lstStyle/>
+        <a:p>
+          <a:endParaRPr lang="en-US"/>
+        </a:p>
+      </dgm:t>
+    </dgm:pt>
+    <dgm:pt modelId="{1A17E5F4-26B2-4CE5-AEDC-6485987518E4}" type="pres">
+      <dgm:prSet presAssocID="{1A79398A-9883-4E65-8729-7A094A6673FF}" presName="linearFlow" presStyleCnt="0">
+        <dgm:presLayoutVars>
+          <dgm:resizeHandles val="exact"/>
+        </dgm:presLayoutVars>
+      </dgm:prSet>
+      <dgm:spPr/>
+    </dgm:pt>
+    <dgm:pt modelId="{E958AC02-217D-4732-AC7B-0C40CC82E975}" type="pres">
+      <dgm:prSet presAssocID="{EDCAAF2E-B876-47D0-9E46-FE3B40595C7A}" presName="node" presStyleLbl="node1" presStyleIdx="0" presStyleCnt="4" custScaleX="266197">
+        <dgm:presLayoutVars>
+          <dgm:bulletEnabled val="1"/>
+        </dgm:presLayoutVars>
+      </dgm:prSet>
+      <dgm:spPr/>
+      <dgm:t>
+        <a:bodyPr/>
+        <a:lstStyle/>
+        <a:p>
+          <a:endParaRPr lang="en-US"/>
+        </a:p>
+      </dgm:t>
+    </dgm:pt>
+    <dgm:pt modelId="{6B5DA8D8-8A2D-4140-A68E-92E75BF126F7}" type="pres">
+      <dgm:prSet presAssocID="{B3075F23-238C-4C8C-83E2-4321F91945E3}" presName="sibTrans" presStyleLbl="sibTrans2D1" presStyleIdx="0" presStyleCnt="3"/>
+      <dgm:spPr/>
+    </dgm:pt>
+    <dgm:pt modelId="{9BCC9A79-73D0-4F06-9F18-1E1CA6BB486C}" type="pres">
+      <dgm:prSet presAssocID="{B3075F23-238C-4C8C-83E2-4321F91945E3}" presName="connectorText" presStyleLbl="sibTrans2D1" presStyleIdx="0" presStyleCnt="3"/>
+      <dgm:spPr/>
+    </dgm:pt>
+    <dgm:pt modelId="{A3559535-39B0-464A-8840-768BD3147919}" type="pres">
+      <dgm:prSet presAssocID="{C0D49A40-7818-43A3-88B5-4345DAC73C57}" presName="node" presStyleLbl="node1" presStyleIdx="1" presStyleCnt="4" custScaleX="265447">
+        <dgm:presLayoutVars>
+          <dgm:bulletEnabled val="1"/>
+        </dgm:presLayoutVars>
+      </dgm:prSet>
+      <dgm:spPr/>
+      <dgm:t>
+        <a:bodyPr/>
+        <a:lstStyle/>
+        <a:p>
+          <a:endParaRPr lang="en-US"/>
+        </a:p>
+      </dgm:t>
+    </dgm:pt>
+    <dgm:pt modelId="{EC720C54-6FF9-44BF-B3AC-39937BEA5F53}" type="pres">
+      <dgm:prSet presAssocID="{777BF9B2-C8CD-4C8D-801C-A53A2FF2AEFF}" presName="sibTrans" presStyleLbl="sibTrans2D1" presStyleIdx="1" presStyleCnt="3"/>
+      <dgm:spPr/>
+    </dgm:pt>
+    <dgm:pt modelId="{53F416DD-E0CD-436C-A3CA-666FAAF775EF}" type="pres">
+      <dgm:prSet presAssocID="{777BF9B2-C8CD-4C8D-801C-A53A2FF2AEFF}" presName="connectorText" presStyleLbl="sibTrans2D1" presStyleIdx="1" presStyleCnt="3"/>
+      <dgm:spPr/>
+    </dgm:pt>
+    <dgm:pt modelId="{8B28E56E-559E-4B5B-A202-7698C89A1C08}" type="pres">
+      <dgm:prSet presAssocID="{F70CE032-2683-4E46-BD35-08772FA7134C}" presName="node" presStyleLbl="node1" presStyleIdx="2" presStyleCnt="4" custScaleX="263578">
+        <dgm:presLayoutVars>
+          <dgm:bulletEnabled val="1"/>
+        </dgm:presLayoutVars>
+      </dgm:prSet>
+      <dgm:spPr/>
+      <dgm:t>
+        <a:bodyPr/>
+        <a:lstStyle/>
+        <a:p>
+          <a:endParaRPr lang="en-US"/>
+        </a:p>
+      </dgm:t>
+    </dgm:pt>
+    <dgm:pt modelId="{554F0D57-6698-45D8-B516-AB73C5A46CEF}" type="pres">
+      <dgm:prSet presAssocID="{9D921340-A1C7-4C32-9E18-AC228DCE5EBD}" presName="sibTrans" presStyleLbl="sibTrans2D1" presStyleIdx="2" presStyleCnt="3"/>
+      <dgm:spPr/>
+    </dgm:pt>
+    <dgm:pt modelId="{22CF3991-5E47-431A-999C-A703F9E1ED39}" type="pres">
+      <dgm:prSet presAssocID="{9D921340-A1C7-4C32-9E18-AC228DCE5EBD}" presName="connectorText" presStyleLbl="sibTrans2D1" presStyleIdx="2" presStyleCnt="3"/>
+      <dgm:spPr/>
+    </dgm:pt>
+    <dgm:pt modelId="{3B32702A-5D63-498A-BEC8-83AFF4826058}" type="pres">
+      <dgm:prSet presAssocID="{9AAE2782-5FBC-428B-BD38-452689FC7781}" presName="node" presStyleLbl="node1" presStyleIdx="3" presStyleCnt="4" custScaleX="261089">
+        <dgm:presLayoutVars>
+          <dgm:bulletEnabled val="1"/>
+        </dgm:presLayoutVars>
+      </dgm:prSet>
+      <dgm:spPr/>
+      <dgm:t>
+        <a:bodyPr/>
+        <a:lstStyle/>
+        <a:p>
+          <a:endParaRPr lang="en-US"/>
+        </a:p>
+      </dgm:t>
+    </dgm:pt>
+  </dgm:ptLst>
+  <dgm:cxnLst>
+    <dgm:cxn modelId="{8087C10D-84F9-4AB2-8CD1-35A917C3BAA8}" srcId="{1A79398A-9883-4E65-8729-7A094A6673FF}" destId="{C0D49A40-7818-43A3-88B5-4345DAC73C57}" srcOrd="1" destOrd="0" parTransId="{4F17FD9D-F980-46AB-AC27-76DCDA9D7F32}" sibTransId="{777BF9B2-C8CD-4C8D-801C-A53A2FF2AEFF}"/>
+    <dgm:cxn modelId="{4C15679D-FB72-4D3E-B014-3B33DD75FF5F}" type="presOf" srcId="{1A79398A-9883-4E65-8729-7A094A6673FF}" destId="{1A17E5F4-26B2-4CE5-AEDC-6485987518E4}" srcOrd="0" destOrd="0" presId="urn:microsoft.com/office/officeart/2005/8/layout/process2"/>
+    <dgm:cxn modelId="{CFB6BFC6-9AFA-4CD3-A7DF-62917907D969}" type="presOf" srcId="{9D921340-A1C7-4C32-9E18-AC228DCE5EBD}" destId="{554F0D57-6698-45D8-B516-AB73C5A46CEF}" srcOrd="0" destOrd="0" presId="urn:microsoft.com/office/officeart/2005/8/layout/process2"/>
+    <dgm:cxn modelId="{6B2FDAA9-F054-43F8-B4B1-11369EDE341B}" type="presOf" srcId="{B3075F23-238C-4C8C-83E2-4321F91945E3}" destId="{9BCC9A79-73D0-4F06-9F18-1E1CA6BB486C}" srcOrd="1" destOrd="0" presId="urn:microsoft.com/office/officeart/2005/8/layout/process2"/>
+    <dgm:cxn modelId="{A596680C-1AAF-4CBE-94C3-7232339DF6BE}" type="presOf" srcId="{9AAE2782-5FBC-428B-BD38-452689FC7781}" destId="{3B32702A-5D63-498A-BEC8-83AFF4826058}" srcOrd="0" destOrd="0" presId="urn:microsoft.com/office/officeart/2005/8/layout/process2"/>
+    <dgm:cxn modelId="{BA78FB64-626D-49FE-8938-42409046EC87}" srcId="{1A79398A-9883-4E65-8729-7A094A6673FF}" destId="{9AAE2782-5FBC-428B-BD38-452689FC7781}" srcOrd="3" destOrd="0" parTransId="{812CCCE9-00A0-4C2A-9513-36D21EF03619}" sibTransId="{F12A3EA9-1876-4D02-9D18-012652832DC4}"/>
+    <dgm:cxn modelId="{CE86112F-D344-44E7-A615-1EA0C445AD07}" srcId="{1A79398A-9883-4E65-8729-7A094A6673FF}" destId="{EDCAAF2E-B876-47D0-9E46-FE3B40595C7A}" srcOrd="0" destOrd="0" parTransId="{DC9E5701-AD2A-4E92-82BC-016013BD7549}" sibTransId="{B3075F23-238C-4C8C-83E2-4321F91945E3}"/>
+    <dgm:cxn modelId="{45CD3152-4A4A-492B-B792-0E115561F99F}" type="presOf" srcId="{F70CE032-2683-4E46-BD35-08772FA7134C}" destId="{8B28E56E-559E-4B5B-A202-7698C89A1C08}" srcOrd="0" destOrd="0" presId="urn:microsoft.com/office/officeart/2005/8/layout/process2"/>
+    <dgm:cxn modelId="{624DA4C0-5FCE-4456-8ED9-7D427914A3E1}" type="presOf" srcId="{777BF9B2-C8CD-4C8D-801C-A53A2FF2AEFF}" destId="{53F416DD-E0CD-436C-A3CA-666FAAF775EF}" srcOrd="1" destOrd="0" presId="urn:microsoft.com/office/officeart/2005/8/layout/process2"/>
+    <dgm:cxn modelId="{7B5A83D6-05C6-4C2F-917E-7071BD9159EA}" type="presOf" srcId="{EDCAAF2E-B876-47D0-9E46-FE3B40595C7A}" destId="{E958AC02-217D-4732-AC7B-0C40CC82E975}" srcOrd="0" destOrd="0" presId="urn:microsoft.com/office/officeart/2005/8/layout/process2"/>
+    <dgm:cxn modelId="{296DEEE3-6EF6-449B-8C7D-0D739A54D758}" type="presOf" srcId="{9D921340-A1C7-4C32-9E18-AC228DCE5EBD}" destId="{22CF3991-5E47-431A-999C-A703F9E1ED39}" srcOrd="1" destOrd="0" presId="urn:microsoft.com/office/officeart/2005/8/layout/process2"/>
+    <dgm:cxn modelId="{8D1B0F0E-2528-4EE0-89EF-4585A8C25623}" srcId="{1A79398A-9883-4E65-8729-7A094A6673FF}" destId="{F70CE032-2683-4E46-BD35-08772FA7134C}" srcOrd="2" destOrd="0" parTransId="{E954EC2E-05C4-4D26-9EE1-0DC500D0C18A}" sibTransId="{9D921340-A1C7-4C32-9E18-AC228DCE5EBD}"/>
+    <dgm:cxn modelId="{E0A2A503-BF80-47DE-825B-EFC1E27870C5}" type="presOf" srcId="{777BF9B2-C8CD-4C8D-801C-A53A2FF2AEFF}" destId="{EC720C54-6FF9-44BF-B3AC-39937BEA5F53}" srcOrd="0" destOrd="0" presId="urn:microsoft.com/office/officeart/2005/8/layout/process2"/>
+    <dgm:cxn modelId="{081EDF25-DDAD-4FA1-95C9-E87F580FEAC1}" type="presOf" srcId="{B3075F23-238C-4C8C-83E2-4321F91945E3}" destId="{6B5DA8D8-8A2D-4140-A68E-92E75BF126F7}" srcOrd="0" destOrd="0" presId="urn:microsoft.com/office/officeart/2005/8/layout/process2"/>
+    <dgm:cxn modelId="{CD4BE66F-812D-4F19-87C2-A2C0DF653E69}" type="presOf" srcId="{C0D49A40-7818-43A3-88B5-4345DAC73C57}" destId="{A3559535-39B0-464A-8840-768BD3147919}" srcOrd="0" destOrd="0" presId="urn:microsoft.com/office/officeart/2005/8/layout/process2"/>
+    <dgm:cxn modelId="{0291D0B1-74F5-4F7C-B238-2F093B8497F5}" type="presParOf" srcId="{1A17E5F4-26B2-4CE5-AEDC-6485987518E4}" destId="{E958AC02-217D-4732-AC7B-0C40CC82E975}" srcOrd="0" destOrd="0" presId="urn:microsoft.com/office/officeart/2005/8/layout/process2"/>
+    <dgm:cxn modelId="{628C65DF-8652-4A41-8EB1-8A389D61C990}" type="presParOf" srcId="{1A17E5F4-26B2-4CE5-AEDC-6485987518E4}" destId="{6B5DA8D8-8A2D-4140-A68E-92E75BF126F7}" srcOrd="1" destOrd="0" presId="urn:microsoft.com/office/officeart/2005/8/layout/process2"/>
+    <dgm:cxn modelId="{03292C65-3334-4991-B3E8-AA10E147D061}" type="presParOf" srcId="{6B5DA8D8-8A2D-4140-A68E-92E75BF126F7}" destId="{9BCC9A79-73D0-4F06-9F18-1E1CA6BB486C}" srcOrd="0" destOrd="0" presId="urn:microsoft.com/office/officeart/2005/8/layout/process2"/>
+    <dgm:cxn modelId="{0CE4A474-5D51-46E2-BFF7-8F683B125DBD}" type="presParOf" srcId="{1A17E5F4-26B2-4CE5-AEDC-6485987518E4}" destId="{A3559535-39B0-464A-8840-768BD3147919}" srcOrd="2" destOrd="0" presId="urn:microsoft.com/office/officeart/2005/8/layout/process2"/>
+    <dgm:cxn modelId="{041EFB39-A353-4530-8288-D4904D39DA72}" type="presParOf" srcId="{1A17E5F4-26B2-4CE5-AEDC-6485987518E4}" destId="{EC720C54-6FF9-44BF-B3AC-39937BEA5F53}" srcOrd="3" destOrd="0" presId="urn:microsoft.com/office/officeart/2005/8/layout/process2"/>
+    <dgm:cxn modelId="{9E182312-1916-4C3F-8FA7-B6868AA86764}" type="presParOf" srcId="{EC720C54-6FF9-44BF-B3AC-39937BEA5F53}" destId="{53F416DD-E0CD-436C-A3CA-666FAAF775EF}" srcOrd="0" destOrd="0" presId="urn:microsoft.com/office/officeart/2005/8/layout/process2"/>
+    <dgm:cxn modelId="{B2CB0A37-D74D-4DBE-B6E8-F570FDC0D3A7}" type="presParOf" srcId="{1A17E5F4-26B2-4CE5-AEDC-6485987518E4}" destId="{8B28E56E-559E-4B5B-A202-7698C89A1C08}" srcOrd="4" destOrd="0" presId="urn:microsoft.com/office/officeart/2005/8/layout/process2"/>
+    <dgm:cxn modelId="{DD623AEA-5FF3-423D-B918-BA26C70FAF1F}" type="presParOf" srcId="{1A17E5F4-26B2-4CE5-AEDC-6485987518E4}" destId="{554F0D57-6698-45D8-B516-AB73C5A46CEF}" srcOrd="5" destOrd="0" presId="urn:microsoft.com/office/officeart/2005/8/layout/process2"/>
+    <dgm:cxn modelId="{E7308664-79E1-496F-94EA-63DD467DB965}" type="presParOf" srcId="{554F0D57-6698-45D8-B516-AB73C5A46CEF}" destId="{22CF3991-5E47-431A-999C-A703F9E1ED39}" srcOrd="0" destOrd="0" presId="urn:microsoft.com/office/officeart/2005/8/layout/process2"/>
+    <dgm:cxn modelId="{768DBB52-61DE-4B8D-96A3-4DE5AC8296C6}" type="presParOf" srcId="{1A17E5F4-26B2-4CE5-AEDC-6485987518E4}" destId="{3B32702A-5D63-498A-BEC8-83AFF4826058}" srcOrd="6" destOrd="0" presId="urn:microsoft.com/office/officeart/2005/8/layout/process2"/>
+  </dgm:cxnLst>
+  <dgm:bg/>
+  <dgm:whole/>
+  <dgm:extLst>
+    <a:ext uri="http://schemas.microsoft.com/office/drawing/2008/diagram">
+      <dsp:dataModelExt xmlns:dsp="http://schemas.microsoft.com/office/drawing/2008/diagram" relId="rId6" minVer="http://schemas.openxmlformats.org/drawingml/2006/diagram"/>
+    </a:ext>
+  </dgm:extLst>
+</dgm:dataModel>
+</file>
+
+<file path=ppt/diagrams/data7.xml><?xml version="1.0" encoding="utf-8"?>
+<dgm:dataModel xmlns:dgm="http://schemas.openxmlformats.org/drawingml/2006/diagram" xmlns:a="http://schemas.openxmlformats.org/drawingml/2006/main">
+  <dgm:ptLst>
     <dgm:pt modelId="{51DF9298-C068-4794-B8D7-290608BF4CA8}" type="doc">
       <dgm:prSet loTypeId="urn:microsoft.com/office/officeart/2005/8/layout/vList3" loCatId="list" qsTypeId="urn:microsoft.com/office/officeart/2005/8/quickstyle/simple1" qsCatId="simple" csTypeId="urn:microsoft.com/office/officeart/2005/8/colors/accent1_2" csCatId="accent1" phldr="1"/>
       <dgm:spPr/>
@@ -6622,6 +7654,13 @@
         </dgm:presLayoutVars>
       </dgm:prSet>
       <dgm:spPr/>
+      <dgm:t>
+        <a:bodyPr/>
+        <a:lstStyle/>
+        <a:p>
+          <a:endParaRPr lang="en-US"/>
+        </a:p>
+      </dgm:t>
     </dgm:pt>
     <dgm:pt modelId="{72D85F94-639A-4507-B734-C723EF6403CD}" type="pres">
       <dgm:prSet presAssocID="{C86EA1B0-6EB4-47D1-9933-1A028A06279B}" presName="composite" presStyleCnt="0"/>
@@ -6734,6 +7773,534 @@
       <dsp:cNvGrpSpPr/>
     </dsp:nvGrpSpPr>
     <dsp:grpSpPr/>
+    <dsp:sp modelId="{E5C74BB2-407C-4C7A-BBAC-CE09B1A53261}">
+      <dsp:nvSpPr>
+        <dsp:cNvPr id="0" name=""/>
+        <dsp:cNvSpPr/>
+      </dsp:nvSpPr>
+      <dsp:spPr>
+        <a:xfrm>
+          <a:off x="-3542262" y="-544465"/>
+          <a:ext cx="4223029" cy="4223029"/>
+        </a:xfrm>
+        <a:prstGeom prst="blockArc">
+          <a:avLst>
+            <a:gd name="adj1" fmla="val 18900000"/>
+            <a:gd name="adj2" fmla="val 2700000"/>
+            <a:gd name="adj3" fmla="val 511"/>
+          </a:avLst>
+        </a:prstGeom>
+        <a:noFill/>
+        <a:ln w="15875" cap="flat" cmpd="sng" algn="ctr">
+          <a:solidFill>
+            <a:schemeClr val="accent1">
+              <a:shade val="60000"/>
+              <a:hueOff val="0"/>
+              <a:satOff val="0"/>
+              <a:lumOff val="0"/>
+              <a:alphaOff val="0"/>
+            </a:schemeClr>
+          </a:solidFill>
+          <a:prstDash val="solid"/>
+        </a:ln>
+        <a:effectLst/>
+      </dsp:spPr>
+      <dsp:style>
+        <a:lnRef idx="2">
+          <a:scrgbClr r="0" g="0" b="0"/>
+        </a:lnRef>
+        <a:fillRef idx="0">
+          <a:scrgbClr r="0" g="0" b="0"/>
+        </a:fillRef>
+        <a:effectRef idx="0">
+          <a:scrgbClr r="0" g="0" b="0"/>
+        </a:effectRef>
+        <a:fontRef idx="minor"/>
+      </dsp:style>
+    </dsp:sp>
+    <dsp:sp modelId="{BA3D70A7-0CF4-42E6-ACF4-89DA1F16F828}">
+      <dsp:nvSpPr>
+        <dsp:cNvPr id="0" name=""/>
+        <dsp:cNvSpPr/>
+      </dsp:nvSpPr>
+      <dsp:spPr>
+        <a:xfrm>
+          <a:off x="356903" y="240949"/>
+          <a:ext cx="5462483" cy="482149"/>
+        </a:xfrm>
+        <a:prstGeom prst="rect">
+          <a:avLst/>
+        </a:prstGeom>
+        <a:solidFill>
+          <a:schemeClr val="accent1">
+            <a:hueOff val="0"/>
+            <a:satOff val="0"/>
+            <a:lumOff val="0"/>
+            <a:alphaOff val="0"/>
+          </a:schemeClr>
+        </a:solidFill>
+        <a:ln w="15875" cap="flat" cmpd="sng" algn="ctr">
+          <a:solidFill>
+            <a:schemeClr val="lt1">
+              <a:hueOff val="0"/>
+              <a:satOff val="0"/>
+              <a:lumOff val="0"/>
+              <a:alphaOff val="0"/>
+            </a:schemeClr>
+          </a:solidFill>
+          <a:prstDash val="solid"/>
+        </a:ln>
+        <a:effectLst/>
+      </dsp:spPr>
+      <dsp:style>
+        <a:lnRef idx="2">
+          <a:scrgbClr r="0" g="0" b="0"/>
+        </a:lnRef>
+        <a:fillRef idx="1">
+          <a:scrgbClr r="0" g="0" b="0"/>
+        </a:fillRef>
+        <a:effectRef idx="0">
+          <a:scrgbClr r="0" g="0" b="0"/>
+        </a:effectRef>
+        <a:fontRef idx="minor">
+          <a:schemeClr val="lt1"/>
+        </a:fontRef>
+      </dsp:style>
+      <dsp:txBody>
+        <a:bodyPr spcFirstLastPara="0" vert="horz" wrap="square" lIns="382706" tIns="63500" rIns="63500" bIns="63500" numCol="1" spcCol="1270" anchor="ctr" anchorCtr="0">
+          <a:noAutofit/>
+        </a:bodyPr>
+        <a:lstStyle/>
+        <a:p>
+          <a:pPr lvl="0" algn="l" defTabSz="1111250">
+            <a:lnSpc>
+              <a:spcPct val="90000"/>
+            </a:lnSpc>
+            <a:spcBef>
+              <a:spcPct val="0"/>
+            </a:spcBef>
+            <a:spcAft>
+              <a:spcPct val="35000"/>
+            </a:spcAft>
+          </a:pPr>
+          <a:r>
+            <a:rPr lang="en-US" sz="2500" kern="1200" dirty="0" smtClean="0"/>
+            <a:t>Tuan</a:t>
+          </a:r>
+        </a:p>
+      </dsp:txBody>
+      <dsp:txXfrm>
+        <a:off x="356903" y="240949"/>
+        <a:ext cx="5462483" cy="482149"/>
+      </dsp:txXfrm>
+    </dsp:sp>
+    <dsp:sp modelId="{250B97E9-238F-4486-BD3E-CBBFE0D702C5}">
+      <dsp:nvSpPr>
+        <dsp:cNvPr id="0" name=""/>
+        <dsp:cNvSpPr/>
+      </dsp:nvSpPr>
+      <dsp:spPr>
+        <a:xfrm>
+          <a:off x="55560" y="180680"/>
+          <a:ext cx="602687" cy="602687"/>
+        </a:xfrm>
+        <a:prstGeom prst="ellipse">
+          <a:avLst/>
+        </a:prstGeom>
+        <a:solidFill>
+          <a:schemeClr val="lt1">
+            <a:hueOff val="0"/>
+            <a:satOff val="0"/>
+            <a:lumOff val="0"/>
+            <a:alphaOff val="0"/>
+          </a:schemeClr>
+        </a:solidFill>
+        <a:ln w="15875" cap="flat" cmpd="sng" algn="ctr">
+          <a:solidFill>
+            <a:schemeClr val="accent1">
+              <a:hueOff val="0"/>
+              <a:satOff val="0"/>
+              <a:lumOff val="0"/>
+              <a:alphaOff val="0"/>
+            </a:schemeClr>
+          </a:solidFill>
+          <a:prstDash val="solid"/>
+        </a:ln>
+        <a:effectLst/>
+      </dsp:spPr>
+      <dsp:style>
+        <a:lnRef idx="2">
+          <a:scrgbClr r="0" g="0" b="0"/>
+        </a:lnRef>
+        <a:fillRef idx="1">
+          <a:scrgbClr r="0" g="0" b="0"/>
+        </a:fillRef>
+        <a:effectRef idx="0">
+          <a:scrgbClr r="0" g="0" b="0"/>
+        </a:effectRef>
+        <a:fontRef idx="minor"/>
+      </dsp:style>
+    </dsp:sp>
+    <dsp:sp modelId="{3426D3FF-2216-4F1C-B57C-51711950668F}">
+      <dsp:nvSpPr>
+        <dsp:cNvPr id="0" name=""/>
+        <dsp:cNvSpPr/>
+      </dsp:nvSpPr>
+      <dsp:spPr>
+        <a:xfrm>
+          <a:off x="633331" y="964299"/>
+          <a:ext cx="5186055" cy="482149"/>
+        </a:xfrm>
+        <a:prstGeom prst="rect">
+          <a:avLst/>
+        </a:prstGeom>
+        <a:solidFill>
+          <a:schemeClr val="accent1">
+            <a:hueOff val="0"/>
+            <a:satOff val="0"/>
+            <a:lumOff val="0"/>
+            <a:alphaOff val="0"/>
+          </a:schemeClr>
+        </a:solidFill>
+        <a:ln w="15875" cap="flat" cmpd="sng" algn="ctr">
+          <a:solidFill>
+            <a:schemeClr val="lt1">
+              <a:hueOff val="0"/>
+              <a:satOff val="0"/>
+              <a:lumOff val="0"/>
+              <a:alphaOff val="0"/>
+            </a:schemeClr>
+          </a:solidFill>
+          <a:prstDash val="solid"/>
+        </a:ln>
+        <a:effectLst/>
+      </dsp:spPr>
+      <dsp:style>
+        <a:lnRef idx="2">
+          <a:scrgbClr r="0" g="0" b="0"/>
+        </a:lnRef>
+        <a:fillRef idx="1">
+          <a:scrgbClr r="0" g="0" b="0"/>
+        </a:fillRef>
+        <a:effectRef idx="0">
+          <a:scrgbClr r="0" g="0" b="0"/>
+        </a:effectRef>
+        <a:fontRef idx="minor">
+          <a:schemeClr val="lt1"/>
+        </a:fontRef>
+      </dsp:style>
+      <dsp:txBody>
+        <a:bodyPr spcFirstLastPara="0" vert="horz" wrap="square" lIns="382706" tIns="63500" rIns="63500" bIns="63500" numCol="1" spcCol="1270" anchor="ctr" anchorCtr="0">
+          <a:noAutofit/>
+        </a:bodyPr>
+        <a:lstStyle/>
+        <a:p>
+          <a:pPr lvl="0" algn="l" defTabSz="1111250">
+            <a:lnSpc>
+              <a:spcPct val="90000"/>
+            </a:lnSpc>
+            <a:spcBef>
+              <a:spcPct val="0"/>
+            </a:spcBef>
+            <a:spcAft>
+              <a:spcPct val="35000"/>
+            </a:spcAft>
+          </a:pPr>
+          <a:endParaRPr lang="en-US" sz="2500" kern="1200" dirty="0"/>
+        </a:p>
+      </dsp:txBody>
+      <dsp:txXfrm>
+        <a:off x="633331" y="964299"/>
+        <a:ext cx="5186055" cy="482149"/>
+      </dsp:txXfrm>
+    </dsp:sp>
+    <dsp:sp modelId="{50C1BC03-F5E1-43AE-9FC2-1E6B21A791BE}">
+      <dsp:nvSpPr>
+        <dsp:cNvPr id="0" name=""/>
+        <dsp:cNvSpPr/>
+      </dsp:nvSpPr>
+      <dsp:spPr>
+        <a:xfrm>
+          <a:off x="331987" y="904030"/>
+          <a:ext cx="602687" cy="602687"/>
+        </a:xfrm>
+        <a:prstGeom prst="ellipse">
+          <a:avLst/>
+        </a:prstGeom>
+        <a:solidFill>
+          <a:schemeClr val="lt1">
+            <a:hueOff val="0"/>
+            <a:satOff val="0"/>
+            <a:lumOff val="0"/>
+            <a:alphaOff val="0"/>
+          </a:schemeClr>
+        </a:solidFill>
+        <a:ln w="15875" cap="flat" cmpd="sng" algn="ctr">
+          <a:solidFill>
+            <a:schemeClr val="accent1">
+              <a:hueOff val="0"/>
+              <a:satOff val="0"/>
+              <a:lumOff val="0"/>
+              <a:alphaOff val="0"/>
+            </a:schemeClr>
+          </a:solidFill>
+          <a:prstDash val="solid"/>
+        </a:ln>
+        <a:effectLst/>
+      </dsp:spPr>
+      <dsp:style>
+        <a:lnRef idx="2">
+          <a:scrgbClr r="0" g="0" b="0"/>
+        </a:lnRef>
+        <a:fillRef idx="1">
+          <a:scrgbClr r="0" g="0" b="0"/>
+        </a:fillRef>
+        <a:effectRef idx="0">
+          <a:scrgbClr r="0" g="0" b="0"/>
+        </a:effectRef>
+        <a:fontRef idx="minor"/>
+      </dsp:style>
+    </dsp:sp>
+    <dsp:sp modelId="{4A853415-71B8-4ACF-8D77-C6DADEEEEBFD}">
+      <dsp:nvSpPr>
+        <dsp:cNvPr id="0" name=""/>
+        <dsp:cNvSpPr/>
+      </dsp:nvSpPr>
+      <dsp:spPr>
+        <a:xfrm>
+          <a:off x="633331" y="1687649"/>
+          <a:ext cx="5186055" cy="482149"/>
+        </a:xfrm>
+        <a:prstGeom prst="rect">
+          <a:avLst/>
+        </a:prstGeom>
+        <a:solidFill>
+          <a:schemeClr val="accent1">
+            <a:hueOff val="0"/>
+            <a:satOff val="0"/>
+            <a:lumOff val="0"/>
+            <a:alphaOff val="0"/>
+          </a:schemeClr>
+        </a:solidFill>
+        <a:ln w="15875" cap="flat" cmpd="sng" algn="ctr">
+          <a:solidFill>
+            <a:schemeClr val="lt1">
+              <a:hueOff val="0"/>
+              <a:satOff val="0"/>
+              <a:lumOff val="0"/>
+              <a:alphaOff val="0"/>
+            </a:schemeClr>
+          </a:solidFill>
+          <a:prstDash val="solid"/>
+        </a:ln>
+        <a:effectLst/>
+      </dsp:spPr>
+      <dsp:style>
+        <a:lnRef idx="2">
+          <a:scrgbClr r="0" g="0" b="0"/>
+        </a:lnRef>
+        <a:fillRef idx="1">
+          <a:scrgbClr r="0" g="0" b="0"/>
+        </a:fillRef>
+        <a:effectRef idx="0">
+          <a:scrgbClr r="0" g="0" b="0"/>
+        </a:effectRef>
+        <a:fontRef idx="minor">
+          <a:schemeClr val="lt1"/>
+        </a:fontRef>
+      </dsp:style>
+      <dsp:txBody>
+        <a:bodyPr spcFirstLastPara="0" vert="horz" wrap="square" lIns="382706" tIns="63500" rIns="63500" bIns="63500" numCol="1" spcCol="1270" anchor="ctr" anchorCtr="0">
+          <a:noAutofit/>
+        </a:bodyPr>
+        <a:lstStyle/>
+        <a:p>
+          <a:pPr lvl="0" algn="l" defTabSz="1111250">
+            <a:lnSpc>
+              <a:spcPct val="90000"/>
+            </a:lnSpc>
+            <a:spcBef>
+              <a:spcPct val="0"/>
+            </a:spcBef>
+            <a:spcAft>
+              <a:spcPct val="35000"/>
+            </a:spcAft>
+          </a:pPr>
+          <a:endParaRPr lang="en-US" sz="2500" kern="1200" dirty="0"/>
+        </a:p>
+      </dsp:txBody>
+      <dsp:txXfrm>
+        <a:off x="633331" y="1687649"/>
+        <a:ext cx="5186055" cy="482149"/>
+      </dsp:txXfrm>
+    </dsp:sp>
+    <dsp:sp modelId="{24C3F86A-A408-4107-80D2-E4DF6F6A01E2}">
+      <dsp:nvSpPr>
+        <dsp:cNvPr id="0" name=""/>
+        <dsp:cNvSpPr/>
+      </dsp:nvSpPr>
+      <dsp:spPr>
+        <a:xfrm>
+          <a:off x="331987" y="1627380"/>
+          <a:ext cx="602687" cy="602687"/>
+        </a:xfrm>
+        <a:prstGeom prst="ellipse">
+          <a:avLst/>
+        </a:prstGeom>
+        <a:solidFill>
+          <a:schemeClr val="lt1">
+            <a:hueOff val="0"/>
+            <a:satOff val="0"/>
+            <a:lumOff val="0"/>
+            <a:alphaOff val="0"/>
+          </a:schemeClr>
+        </a:solidFill>
+        <a:ln w="15875" cap="flat" cmpd="sng" algn="ctr">
+          <a:solidFill>
+            <a:schemeClr val="accent1">
+              <a:hueOff val="0"/>
+              <a:satOff val="0"/>
+              <a:lumOff val="0"/>
+              <a:alphaOff val="0"/>
+            </a:schemeClr>
+          </a:solidFill>
+          <a:prstDash val="solid"/>
+        </a:ln>
+        <a:effectLst/>
+      </dsp:spPr>
+      <dsp:style>
+        <a:lnRef idx="2">
+          <a:scrgbClr r="0" g="0" b="0"/>
+        </a:lnRef>
+        <a:fillRef idx="1">
+          <a:scrgbClr r="0" g="0" b="0"/>
+        </a:fillRef>
+        <a:effectRef idx="0">
+          <a:scrgbClr r="0" g="0" b="0"/>
+        </a:effectRef>
+        <a:fontRef idx="minor"/>
+      </dsp:style>
+    </dsp:sp>
+    <dsp:sp modelId="{D42BC5B5-ED24-4EF7-AEB9-A8881540F437}">
+      <dsp:nvSpPr>
+        <dsp:cNvPr id="0" name=""/>
+        <dsp:cNvSpPr/>
+      </dsp:nvSpPr>
+      <dsp:spPr>
+        <a:xfrm>
+          <a:off x="356903" y="2410999"/>
+          <a:ext cx="5462483" cy="482149"/>
+        </a:xfrm>
+        <a:prstGeom prst="rect">
+          <a:avLst/>
+        </a:prstGeom>
+        <a:solidFill>
+          <a:schemeClr val="accent1">
+            <a:hueOff val="0"/>
+            <a:satOff val="0"/>
+            <a:lumOff val="0"/>
+            <a:alphaOff val="0"/>
+          </a:schemeClr>
+        </a:solidFill>
+        <a:ln w="15875" cap="flat" cmpd="sng" algn="ctr">
+          <a:solidFill>
+            <a:schemeClr val="lt1">
+              <a:hueOff val="0"/>
+              <a:satOff val="0"/>
+              <a:lumOff val="0"/>
+              <a:alphaOff val="0"/>
+            </a:schemeClr>
+          </a:solidFill>
+          <a:prstDash val="solid"/>
+        </a:ln>
+        <a:effectLst/>
+      </dsp:spPr>
+      <dsp:style>
+        <a:lnRef idx="2">
+          <a:scrgbClr r="0" g="0" b="0"/>
+        </a:lnRef>
+        <a:fillRef idx="1">
+          <a:scrgbClr r="0" g="0" b="0"/>
+        </a:fillRef>
+        <a:effectRef idx="0">
+          <a:scrgbClr r="0" g="0" b="0"/>
+        </a:effectRef>
+        <a:fontRef idx="minor">
+          <a:schemeClr val="lt1"/>
+        </a:fontRef>
+      </dsp:style>
+      <dsp:txBody>
+        <a:bodyPr spcFirstLastPara="0" vert="horz" wrap="square" lIns="382706" tIns="63500" rIns="63500" bIns="63500" numCol="1" spcCol="1270" anchor="ctr" anchorCtr="0">
+          <a:noAutofit/>
+        </a:bodyPr>
+        <a:lstStyle/>
+        <a:p>
+          <a:pPr lvl="0" algn="l" defTabSz="1111250">
+            <a:lnSpc>
+              <a:spcPct val="90000"/>
+            </a:lnSpc>
+            <a:spcBef>
+              <a:spcPct val="0"/>
+            </a:spcBef>
+            <a:spcAft>
+              <a:spcPct val="35000"/>
+            </a:spcAft>
+          </a:pPr>
+          <a:endParaRPr lang="en-US" sz="2500" kern="1200" dirty="0"/>
+        </a:p>
+      </dsp:txBody>
+      <dsp:txXfrm>
+        <a:off x="356903" y="2410999"/>
+        <a:ext cx="5462483" cy="482149"/>
+      </dsp:txXfrm>
+    </dsp:sp>
+    <dsp:sp modelId="{662EEE75-B414-4E01-9463-8A943D9D23A2}">
+      <dsp:nvSpPr>
+        <dsp:cNvPr id="0" name=""/>
+        <dsp:cNvSpPr/>
+      </dsp:nvSpPr>
+      <dsp:spPr>
+        <a:xfrm>
+          <a:off x="55560" y="2350730"/>
+          <a:ext cx="602687" cy="602687"/>
+        </a:xfrm>
+        <a:prstGeom prst="ellipse">
+          <a:avLst/>
+        </a:prstGeom>
+        <a:solidFill>
+          <a:schemeClr val="lt1">
+            <a:hueOff val="0"/>
+            <a:satOff val="0"/>
+            <a:lumOff val="0"/>
+            <a:alphaOff val="0"/>
+          </a:schemeClr>
+        </a:solidFill>
+        <a:ln w="15875" cap="flat" cmpd="sng" algn="ctr">
+          <a:solidFill>
+            <a:schemeClr val="accent1">
+              <a:hueOff val="0"/>
+              <a:satOff val="0"/>
+              <a:lumOff val="0"/>
+              <a:alphaOff val="0"/>
+            </a:schemeClr>
+          </a:solidFill>
+          <a:prstDash val="solid"/>
+        </a:ln>
+        <a:effectLst/>
+      </dsp:spPr>
+      <dsp:style>
+        <a:lnRef idx="2">
+          <a:scrgbClr r="0" g="0" b="0"/>
+        </a:lnRef>
+        <a:fillRef idx="1">
+          <a:scrgbClr r="0" g="0" b="0"/>
+        </a:fillRef>
+        <a:effectRef idx="0">
+          <a:scrgbClr r="0" g="0" b="0"/>
+        </a:effectRef>
+        <a:fontRef idx="minor"/>
+      </dsp:style>
+    </dsp:sp>
   </dsp:spTree>
 </dsp:drawing>
 </file>
@@ -8850,6 +10417,541 @@
 </file>
 
 <file path=ppt/diagrams/drawing6.xml><?xml version="1.0" encoding="utf-8"?>
+<dsp:drawing xmlns:dgm="http://schemas.openxmlformats.org/drawingml/2006/diagram" xmlns:dsp="http://schemas.microsoft.com/office/drawing/2008/diagram" xmlns:a="http://schemas.openxmlformats.org/drawingml/2006/main">
+  <dsp:spTree>
+    <dsp:nvGrpSpPr>
+      <dsp:cNvPr id="0" name=""/>
+      <dsp:cNvGrpSpPr/>
+    </dsp:nvGrpSpPr>
+    <dsp:grpSpPr/>
+    <dsp:sp modelId="{E958AC02-217D-4732-AC7B-0C40CC82E975}">
+      <dsp:nvSpPr>
+        <dsp:cNvPr id="0" name=""/>
+        <dsp:cNvSpPr/>
+      </dsp:nvSpPr>
+      <dsp:spPr>
+        <a:xfrm>
+          <a:off x="247170" y="3966"/>
+          <a:ext cx="7852456" cy="737466"/>
+        </a:xfrm>
+        <a:prstGeom prst="roundRect">
+          <a:avLst>
+            <a:gd name="adj" fmla="val 10000"/>
+          </a:avLst>
+        </a:prstGeom>
+        <a:solidFill>
+          <a:schemeClr val="accent1">
+            <a:hueOff val="0"/>
+            <a:satOff val="0"/>
+            <a:lumOff val="0"/>
+            <a:alphaOff val="0"/>
+          </a:schemeClr>
+        </a:solidFill>
+        <a:ln w="15875" cap="flat" cmpd="sng" algn="ctr">
+          <a:solidFill>
+            <a:schemeClr val="lt1">
+              <a:hueOff val="0"/>
+              <a:satOff val="0"/>
+              <a:lumOff val="0"/>
+              <a:alphaOff val="0"/>
+            </a:schemeClr>
+          </a:solidFill>
+          <a:prstDash val="solid"/>
+        </a:ln>
+        <a:effectLst/>
+      </dsp:spPr>
+      <dsp:style>
+        <a:lnRef idx="2">
+          <a:scrgbClr r="0" g="0" b="0"/>
+        </a:lnRef>
+        <a:fillRef idx="1">
+          <a:scrgbClr r="0" g="0" b="0"/>
+        </a:fillRef>
+        <a:effectRef idx="0">
+          <a:scrgbClr r="0" g="0" b="0"/>
+        </a:effectRef>
+        <a:fontRef idx="minor">
+          <a:schemeClr val="lt1"/>
+        </a:fontRef>
+      </dsp:style>
+      <dsp:txBody>
+        <a:bodyPr spcFirstLastPara="0" vert="horz" wrap="square" lIns="91440" tIns="91440" rIns="91440" bIns="91440" numCol="1" spcCol="1270" anchor="ctr" anchorCtr="0">
+          <a:noAutofit/>
+        </a:bodyPr>
+        <a:lstStyle/>
+        <a:p>
+          <a:pPr lvl="0" algn="ctr" defTabSz="1066800">
+            <a:lnSpc>
+              <a:spcPct val="90000"/>
+            </a:lnSpc>
+            <a:spcBef>
+              <a:spcPct val="0"/>
+            </a:spcBef>
+            <a:spcAft>
+              <a:spcPct val="35000"/>
+            </a:spcAft>
+          </a:pPr>
+          <a:r>
+            <a:rPr lang="en-US" sz="2400" kern="1200" dirty="0" smtClean="0"/>
+            <a:t>Maid mediator creates job request</a:t>
+          </a:r>
+          <a:endParaRPr lang="en-US" sz="2400" kern="1200" dirty="0"/>
+        </a:p>
+      </dsp:txBody>
+      <dsp:txXfrm>
+        <a:off x="268770" y="25566"/>
+        <a:ext cx="7809256" cy="694266"/>
+      </dsp:txXfrm>
+    </dsp:sp>
+    <dsp:sp modelId="{6B5DA8D8-8A2D-4140-A68E-92E75BF126F7}">
+      <dsp:nvSpPr>
+        <dsp:cNvPr id="0" name=""/>
+        <dsp:cNvSpPr/>
+      </dsp:nvSpPr>
+      <dsp:spPr>
+        <a:xfrm rot="5400000">
+          <a:off x="4035124" y="759870"/>
+          <a:ext cx="276549" cy="331859"/>
+        </a:xfrm>
+        <a:prstGeom prst="rightArrow">
+          <a:avLst>
+            <a:gd name="adj1" fmla="val 60000"/>
+            <a:gd name="adj2" fmla="val 50000"/>
+          </a:avLst>
+        </a:prstGeom>
+        <a:solidFill>
+          <a:schemeClr val="accent1">
+            <a:tint val="60000"/>
+            <a:hueOff val="0"/>
+            <a:satOff val="0"/>
+            <a:lumOff val="0"/>
+            <a:alphaOff val="0"/>
+          </a:schemeClr>
+        </a:solidFill>
+        <a:ln>
+          <a:noFill/>
+        </a:ln>
+        <a:effectLst/>
+      </dsp:spPr>
+      <dsp:style>
+        <a:lnRef idx="0">
+          <a:scrgbClr r="0" g="0" b="0"/>
+        </a:lnRef>
+        <a:fillRef idx="1">
+          <a:scrgbClr r="0" g="0" b="0"/>
+        </a:fillRef>
+        <a:effectRef idx="0">
+          <a:scrgbClr r="0" g="0" b="0"/>
+        </a:effectRef>
+        <a:fontRef idx="minor">
+          <a:schemeClr val="lt1"/>
+        </a:fontRef>
+      </dsp:style>
+      <dsp:txBody>
+        <a:bodyPr spcFirstLastPara="0" vert="horz" wrap="square" lIns="0" tIns="0" rIns="0" bIns="0" numCol="1" spcCol="1270" anchor="ctr" anchorCtr="0">
+          <a:noAutofit/>
+        </a:bodyPr>
+        <a:lstStyle/>
+        <a:p>
+          <a:pPr lvl="0" algn="ctr" defTabSz="577850">
+            <a:lnSpc>
+              <a:spcPct val="90000"/>
+            </a:lnSpc>
+            <a:spcBef>
+              <a:spcPct val="0"/>
+            </a:spcBef>
+            <a:spcAft>
+              <a:spcPct val="35000"/>
+            </a:spcAft>
+          </a:pPr>
+          <a:endParaRPr lang="en-US" sz="1300" kern="1200"/>
+        </a:p>
+      </dsp:txBody>
+      <dsp:txXfrm rot="-5400000">
+        <a:off x="4073842" y="787525"/>
+        <a:ext cx="199115" cy="193584"/>
+      </dsp:txXfrm>
+    </dsp:sp>
+    <dsp:sp modelId="{A3559535-39B0-464A-8840-768BD3147919}">
+      <dsp:nvSpPr>
+        <dsp:cNvPr id="0" name=""/>
+        <dsp:cNvSpPr/>
+      </dsp:nvSpPr>
+      <dsp:spPr>
+        <a:xfrm>
+          <a:off x="258232" y="1110166"/>
+          <a:ext cx="7830332" cy="737466"/>
+        </a:xfrm>
+        <a:prstGeom prst="roundRect">
+          <a:avLst>
+            <a:gd name="adj" fmla="val 10000"/>
+          </a:avLst>
+        </a:prstGeom>
+        <a:solidFill>
+          <a:schemeClr val="accent1">
+            <a:hueOff val="0"/>
+            <a:satOff val="0"/>
+            <a:lumOff val="0"/>
+            <a:alphaOff val="0"/>
+          </a:schemeClr>
+        </a:solidFill>
+        <a:ln w="15875" cap="flat" cmpd="sng" algn="ctr">
+          <a:solidFill>
+            <a:schemeClr val="lt1">
+              <a:hueOff val="0"/>
+              <a:satOff val="0"/>
+              <a:lumOff val="0"/>
+              <a:alphaOff val="0"/>
+            </a:schemeClr>
+          </a:solidFill>
+          <a:prstDash val="solid"/>
+        </a:ln>
+        <a:effectLst/>
+      </dsp:spPr>
+      <dsp:style>
+        <a:lnRef idx="2">
+          <a:scrgbClr r="0" g="0" b="0"/>
+        </a:lnRef>
+        <a:fillRef idx="1">
+          <a:scrgbClr r="0" g="0" b="0"/>
+        </a:fillRef>
+        <a:effectRef idx="0">
+          <a:scrgbClr r="0" g="0" b="0"/>
+        </a:effectRef>
+        <a:fontRef idx="minor">
+          <a:schemeClr val="lt1"/>
+        </a:fontRef>
+      </dsp:style>
+      <dsp:txBody>
+        <a:bodyPr spcFirstLastPara="0" vert="horz" wrap="square" lIns="91440" tIns="91440" rIns="91440" bIns="91440" numCol="1" spcCol="1270" anchor="ctr" anchorCtr="0">
+          <a:noAutofit/>
+        </a:bodyPr>
+        <a:lstStyle/>
+        <a:p>
+          <a:pPr lvl="0" algn="ctr" defTabSz="1066800">
+            <a:lnSpc>
+              <a:spcPct val="90000"/>
+            </a:lnSpc>
+            <a:spcBef>
+              <a:spcPct val="0"/>
+            </a:spcBef>
+            <a:spcAft>
+              <a:spcPct val="35000"/>
+            </a:spcAft>
+          </a:pPr>
+          <a:r>
+            <a:rPr lang="en-US" sz="2400" kern="1200" dirty="0" smtClean="0"/>
+            <a:t>Maid mediator posts job request</a:t>
+          </a:r>
+          <a:endParaRPr lang="en-US" sz="2400" kern="1200" dirty="0"/>
+        </a:p>
+      </dsp:txBody>
+      <dsp:txXfrm>
+        <a:off x="279832" y="1131766"/>
+        <a:ext cx="7787132" cy="694266"/>
+      </dsp:txXfrm>
+    </dsp:sp>
+    <dsp:sp modelId="{EC720C54-6FF9-44BF-B3AC-39937BEA5F53}">
+      <dsp:nvSpPr>
+        <dsp:cNvPr id="0" name=""/>
+        <dsp:cNvSpPr/>
+      </dsp:nvSpPr>
+      <dsp:spPr>
+        <a:xfrm rot="5400000">
+          <a:off x="4035124" y="1866070"/>
+          <a:ext cx="276549" cy="331859"/>
+        </a:xfrm>
+        <a:prstGeom prst="rightArrow">
+          <a:avLst>
+            <a:gd name="adj1" fmla="val 60000"/>
+            <a:gd name="adj2" fmla="val 50000"/>
+          </a:avLst>
+        </a:prstGeom>
+        <a:solidFill>
+          <a:schemeClr val="accent1">
+            <a:tint val="60000"/>
+            <a:hueOff val="0"/>
+            <a:satOff val="0"/>
+            <a:lumOff val="0"/>
+            <a:alphaOff val="0"/>
+          </a:schemeClr>
+        </a:solidFill>
+        <a:ln>
+          <a:noFill/>
+        </a:ln>
+        <a:effectLst/>
+      </dsp:spPr>
+      <dsp:style>
+        <a:lnRef idx="0">
+          <a:scrgbClr r="0" g="0" b="0"/>
+        </a:lnRef>
+        <a:fillRef idx="1">
+          <a:scrgbClr r="0" g="0" b="0"/>
+        </a:fillRef>
+        <a:effectRef idx="0">
+          <a:scrgbClr r="0" g="0" b="0"/>
+        </a:effectRef>
+        <a:fontRef idx="minor">
+          <a:schemeClr val="lt1"/>
+        </a:fontRef>
+      </dsp:style>
+      <dsp:txBody>
+        <a:bodyPr spcFirstLastPara="0" vert="horz" wrap="square" lIns="0" tIns="0" rIns="0" bIns="0" numCol="1" spcCol="1270" anchor="ctr" anchorCtr="0">
+          <a:noAutofit/>
+        </a:bodyPr>
+        <a:lstStyle/>
+        <a:p>
+          <a:pPr lvl="0" algn="ctr" defTabSz="577850">
+            <a:lnSpc>
+              <a:spcPct val="90000"/>
+            </a:lnSpc>
+            <a:spcBef>
+              <a:spcPct val="0"/>
+            </a:spcBef>
+            <a:spcAft>
+              <a:spcPct val="35000"/>
+            </a:spcAft>
+          </a:pPr>
+          <a:endParaRPr lang="en-US" sz="1300" kern="1200"/>
+        </a:p>
+      </dsp:txBody>
+      <dsp:txXfrm rot="-5400000">
+        <a:off x="4073842" y="1893725"/>
+        <a:ext cx="199115" cy="193584"/>
+      </dsp:txXfrm>
+    </dsp:sp>
+    <dsp:sp modelId="{8B28E56E-559E-4B5B-A202-7698C89A1C08}">
+      <dsp:nvSpPr>
+        <dsp:cNvPr id="0" name=""/>
+        <dsp:cNvSpPr/>
+      </dsp:nvSpPr>
+      <dsp:spPr>
+        <a:xfrm>
+          <a:off x="285799" y="2216366"/>
+          <a:ext cx="7775199" cy="737466"/>
+        </a:xfrm>
+        <a:prstGeom prst="roundRect">
+          <a:avLst>
+            <a:gd name="adj" fmla="val 10000"/>
+          </a:avLst>
+        </a:prstGeom>
+        <a:solidFill>
+          <a:schemeClr val="accent1">
+            <a:hueOff val="0"/>
+            <a:satOff val="0"/>
+            <a:lumOff val="0"/>
+            <a:alphaOff val="0"/>
+          </a:schemeClr>
+        </a:solidFill>
+        <a:ln w="15875" cap="flat" cmpd="sng" algn="ctr">
+          <a:solidFill>
+            <a:schemeClr val="lt1">
+              <a:hueOff val="0"/>
+              <a:satOff val="0"/>
+              <a:lumOff val="0"/>
+              <a:alphaOff val="0"/>
+            </a:schemeClr>
+          </a:solidFill>
+          <a:prstDash val="solid"/>
+        </a:ln>
+        <a:effectLst/>
+      </dsp:spPr>
+      <dsp:style>
+        <a:lnRef idx="2">
+          <a:scrgbClr r="0" g="0" b="0"/>
+        </a:lnRef>
+        <a:fillRef idx="1">
+          <a:scrgbClr r="0" g="0" b="0"/>
+        </a:fillRef>
+        <a:effectRef idx="0">
+          <a:scrgbClr r="0" g="0" b="0"/>
+        </a:effectRef>
+        <a:fontRef idx="minor">
+          <a:schemeClr val="lt1"/>
+        </a:fontRef>
+      </dsp:style>
+      <dsp:txBody>
+        <a:bodyPr spcFirstLastPara="0" vert="horz" wrap="square" lIns="91440" tIns="91440" rIns="91440" bIns="91440" numCol="1" spcCol="1270" anchor="ctr" anchorCtr="0">
+          <a:noAutofit/>
+        </a:bodyPr>
+        <a:lstStyle/>
+        <a:p>
+          <a:pPr lvl="0" algn="ctr" defTabSz="1066800">
+            <a:lnSpc>
+              <a:spcPct val="90000"/>
+            </a:lnSpc>
+            <a:spcBef>
+              <a:spcPct val="0"/>
+            </a:spcBef>
+            <a:spcAft>
+              <a:spcPct val="35000"/>
+            </a:spcAft>
+          </a:pPr>
+          <a:r>
+            <a:rPr lang="en-US" sz="2400" kern="1200" dirty="0" smtClean="0"/>
+            <a:t>Maid or maid mediator comes to pay for job request</a:t>
+          </a:r>
+          <a:endParaRPr lang="en-US" sz="2400" kern="1200" dirty="0"/>
+        </a:p>
+      </dsp:txBody>
+      <dsp:txXfrm>
+        <a:off x="307399" y="2237966"/>
+        <a:ext cx="7731999" cy="694266"/>
+      </dsp:txXfrm>
+    </dsp:sp>
+    <dsp:sp modelId="{554F0D57-6698-45D8-B516-AB73C5A46CEF}">
+      <dsp:nvSpPr>
+        <dsp:cNvPr id="0" name=""/>
+        <dsp:cNvSpPr/>
+      </dsp:nvSpPr>
+      <dsp:spPr>
+        <a:xfrm rot="5400000">
+          <a:off x="4035124" y="2972269"/>
+          <a:ext cx="276549" cy="331859"/>
+        </a:xfrm>
+        <a:prstGeom prst="rightArrow">
+          <a:avLst>
+            <a:gd name="adj1" fmla="val 60000"/>
+            <a:gd name="adj2" fmla="val 50000"/>
+          </a:avLst>
+        </a:prstGeom>
+        <a:solidFill>
+          <a:schemeClr val="accent1">
+            <a:tint val="60000"/>
+            <a:hueOff val="0"/>
+            <a:satOff val="0"/>
+            <a:lumOff val="0"/>
+            <a:alphaOff val="0"/>
+          </a:schemeClr>
+        </a:solidFill>
+        <a:ln>
+          <a:noFill/>
+        </a:ln>
+        <a:effectLst/>
+      </dsp:spPr>
+      <dsp:style>
+        <a:lnRef idx="0">
+          <a:scrgbClr r="0" g="0" b="0"/>
+        </a:lnRef>
+        <a:fillRef idx="1">
+          <a:scrgbClr r="0" g="0" b="0"/>
+        </a:fillRef>
+        <a:effectRef idx="0">
+          <a:scrgbClr r="0" g="0" b="0"/>
+        </a:effectRef>
+        <a:fontRef idx="minor">
+          <a:schemeClr val="lt1"/>
+        </a:fontRef>
+      </dsp:style>
+      <dsp:txBody>
+        <a:bodyPr spcFirstLastPara="0" vert="horz" wrap="square" lIns="0" tIns="0" rIns="0" bIns="0" numCol="1" spcCol="1270" anchor="ctr" anchorCtr="0">
+          <a:noAutofit/>
+        </a:bodyPr>
+        <a:lstStyle/>
+        <a:p>
+          <a:pPr lvl="0" algn="ctr" defTabSz="577850">
+            <a:lnSpc>
+              <a:spcPct val="90000"/>
+            </a:lnSpc>
+            <a:spcBef>
+              <a:spcPct val="0"/>
+            </a:spcBef>
+            <a:spcAft>
+              <a:spcPct val="35000"/>
+            </a:spcAft>
+          </a:pPr>
+          <a:endParaRPr lang="en-US" sz="1300" kern="1200"/>
+        </a:p>
+      </dsp:txBody>
+      <dsp:txXfrm rot="-5400000">
+        <a:off x="4073842" y="2999924"/>
+        <a:ext cx="199115" cy="193584"/>
+      </dsp:txXfrm>
+    </dsp:sp>
+    <dsp:sp modelId="{3B32702A-5D63-498A-BEC8-83AFF4826058}">
+      <dsp:nvSpPr>
+        <dsp:cNvPr id="0" name=""/>
+        <dsp:cNvSpPr/>
+      </dsp:nvSpPr>
+      <dsp:spPr>
+        <a:xfrm>
+          <a:off x="322510" y="3322566"/>
+          <a:ext cx="7701776" cy="737466"/>
+        </a:xfrm>
+        <a:prstGeom prst="roundRect">
+          <a:avLst>
+            <a:gd name="adj" fmla="val 10000"/>
+          </a:avLst>
+        </a:prstGeom>
+        <a:solidFill>
+          <a:schemeClr val="accent1">
+            <a:hueOff val="0"/>
+            <a:satOff val="0"/>
+            <a:lumOff val="0"/>
+            <a:alphaOff val="0"/>
+          </a:schemeClr>
+        </a:solidFill>
+        <a:ln w="15875" cap="flat" cmpd="sng" algn="ctr">
+          <a:solidFill>
+            <a:schemeClr val="lt1">
+              <a:hueOff val="0"/>
+              <a:satOff val="0"/>
+              <a:lumOff val="0"/>
+              <a:alphaOff val="0"/>
+            </a:schemeClr>
+          </a:solidFill>
+          <a:prstDash val="solid"/>
+        </a:ln>
+        <a:effectLst/>
+      </dsp:spPr>
+      <dsp:style>
+        <a:lnRef idx="2">
+          <a:scrgbClr r="0" g="0" b="0"/>
+        </a:lnRef>
+        <a:fillRef idx="1">
+          <a:scrgbClr r="0" g="0" b="0"/>
+        </a:fillRef>
+        <a:effectRef idx="0">
+          <a:scrgbClr r="0" g="0" b="0"/>
+        </a:effectRef>
+        <a:fontRef idx="minor">
+          <a:schemeClr val="lt1"/>
+        </a:fontRef>
+      </dsp:style>
+      <dsp:txBody>
+        <a:bodyPr spcFirstLastPara="0" vert="horz" wrap="square" lIns="91440" tIns="91440" rIns="91440" bIns="91440" numCol="1" spcCol="1270" anchor="ctr" anchorCtr="0">
+          <a:noAutofit/>
+        </a:bodyPr>
+        <a:lstStyle/>
+        <a:p>
+          <a:pPr lvl="0" algn="ctr" defTabSz="1066800">
+            <a:lnSpc>
+              <a:spcPct val="90000"/>
+            </a:lnSpc>
+            <a:spcBef>
+              <a:spcPct val="0"/>
+            </a:spcBef>
+            <a:spcAft>
+              <a:spcPct val="35000"/>
+            </a:spcAft>
+          </a:pPr>
+          <a:r>
+            <a:rPr lang="en-US" sz="2400" kern="1200" dirty="0" smtClean="0"/>
+            <a:t>Staff activates job request</a:t>
+          </a:r>
+          <a:endParaRPr lang="en-US" sz="2400" kern="1200" dirty="0"/>
+        </a:p>
+      </dsp:txBody>
+      <dsp:txXfrm>
+        <a:off x="344110" y="3344166"/>
+        <a:ext cx="7658576" cy="694266"/>
+      </dsp:txXfrm>
+    </dsp:sp>
+  </dsp:spTree>
+</dsp:drawing>
+</file>
+
+<file path=ppt/diagrams/drawing7.xml><?xml version="1.0" encoding="utf-8"?>
 <dsp:drawing xmlns:dgm="http://schemas.openxmlformats.org/drawingml/2006/diagram" xmlns:dsp="http://schemas.microsoft.com/office/drawing/2008/diagram" xmlns:a="http://schemas.openxmlformats.org/drawingml/2006/main">
   <dsp:spTree>
     <dsp:nvGrpSpPr>
@@ -13980,6 +16082,155 @@
 </file>
 
 <file path=ppt/diagrams/layout6.xml><?xml version="1.0" encoding="utf-8"?>
+<dgm:layoutDef xmlns:dgm="http://schemas.openxmlformats.org/drawingml/2006/diagram" xmlns:a="http://schemas.openxmlformats.org/drawingml/2006/main" uniqueId="urn:microsoft.com/office/officeart/2005/8/layout/process2">
+  <dgm:title val=""/>
+  <dgm:desc val=""/>
+  <dgm:catLst>
+    <dgm:cat type="process" pri="13000"/>
+  </dgm:catLst>
+  <dgm:sampData useDef="1">
+    <dgm:dataModel>
+      <dgm:ptLst/>
+      <dgm:bg/>
+      <dgm:whole/>
+    </dgm:dataModel>
+  </dgm:sampData>
+  <dgm:styleData>
+    <dgm:dataModel>
+      <dgm:ptLst>
+        <dgm:pt modelId="0" type="doc"/>
+        <dgm:pt modelId="1"/>
+        <dgm:pt modelId="2"/>
+      </dgm:ptLst>
+      <dgm:cxnLst>
+        <dgm:cxn modelId="3" srcId="0" destId="1" srcOrd="0" destOrd="0"/>
+        <dgm:cxn modelId="4" srcId="0" destId="2" srcOrd="1" destOrd="0"/>
+      </dgm:cxnLst>
+      <dgm:bg/>
+      <dgm:whole/>
+    </dgm:dataModel>
+  </dgm:styleData>
+  <dgm:clrData>
+    <dgm:dataModel>
+      <dgm:ptLst>
+        <dgm:pt modelId="0" type="doc"/>
+        <dgm:pt modelId="1"/>
+        <dgm:pt modelId="2"/>
+        <dgm:pt modelId="3"/>
+        <dgm:pt modelId="4"/>
+      </dgm:ptLst>
+      <dgm:cxnLst>
+        <dgm:cxn modelId="5" srcId="0" destId="1" srcOrd="0" destOrd="0"/>
+        <dgm:cxn modelId="6" srcId="0" destId="2" srcOrd="1" destOrd="0"/>
+        <dgm:cxn modelId="7" srcId="0" destId="3" srcOrd="2" destOrd="0"/>
+        <dgm:cxn modelId="8" srcId="0" destId="4" srcOrd="3" destOrd="0"/>
+      </dgm:cxnLst>
+      <dgm:bg/>
+      <dgm:whole/>
+    </dgm:dataModel>
+  </dgm:clrData>
+  <dgm:layoutNode name="linearFlow">
+    <dgm:varLst>
+      <dgm:resizeHandles val="exact"/>
+    </dgm:varLst>
+    <dgm:alg type="lin">
+      <dgm:param type="linDir" val="fromT"/>
+    </dgm:alg>
+    <dgm:shape xmlns:r="http://schemas.openxmlformats.org/officeDocument/2006/relationships" r:blip="">
+      <dgm:adjLst/>
+    </dgm:shape>
+    <dgm:presOf/>
+    <dgm:constrLst>
+      <dgm:constr type="h" for="ch" ptType="node" refType="h"/>
+      <dgm:constr type="h" for="ch" ptType="sibTrans" refType="h" refFor="ch" refPtType="node" fact="0.5"/>
+      <dgm:constr type="w" for="ch" ptType="node" op="equ"/>
+      <dgm:constr type="primFontSz" for="ch" ptType="node" op="equ" val="65"/>
+      <dgm:constr type="primFontSz" for="des" forName="connectorText" op="equ" val="55"/>
+      <dgm:constr type="primFontSz" for="des" forName="connectorText" refType="primFontSz" refFor="ch" refPtType="node" op="lte" fact="0.8"/>
+    </dgm:constrLst>
+    <dgm:ruleLst/>
+    <dgm:forEach name="nodesForEach" axis="ch" ptType="node">
+      <dgm:layoutNode name="node">
+        <dgm:varLst>
+          <dgm:bulletEnabled val="1"/>
+        </dgm:varLst>
+        <dgm:choose name="Name0">
+          <dgm:if name="Name1" axis="root des" ptType="all node" func="maxDepth" op="gt" val="1">
+            <dgm:alg type="tx">
+              <dgm:param type="parTxLTRAlign" val="l"/>
+              <dgm:param type="parTxRTLAlign" val="r"/>
+              <dgm:param type="txAnchorVertCh" val="mid"/>
+            </dgm:alg>
+          </dgm:if>
+          <dgm:else name="Name2">
+            <dgm:alg type="tx"/>
+          </dgm:else>
+        </dgm:choose>
+        <dgm:shape xmlns:r="http://schemas.openxmlformats.org/officeDocument/2006/relationships" type="roundRect" r:blip="">
+          <dgm:adjLst>
+            <dgm:adj idx="1" val="0.1"/>
+          </dgm:adjLst>
+        </dgm:shape>
+        <dgm:presOf axis="desOrSelf" ptType="node"/>
+        <dgm:constrLst>
+          <dgm:constr type="w" refType="h" fact="1.8"/>
+          <dgm:constr type="tMarg" refType="primFontSz" fact="0.3"/>
+          <dgm:constr type="bMarg" refType="primFontSz" fact="0.3"/>
+          <dgm:constr type="lMarg" refType="primFontSz" fact="0.3"/>
+          <dgm:constr type="rMarg" refType="primFontSz" fact="0.3"/>
+        </dgm:constrLst>
+        <dgm:ruleLst>
+          <dgm:rule type="primFontSz" val="18" fact="NaN" max="NaN"/>
+          <dgm:rule type="w" val="NaN" fact="4" max="NaN"/>
+          <dgm:rule type="primFontSz" val="5" fact="NaN" max="NaN"/>
+        </dgm:ruleLst>
+      </dgm:layoutNode>
+      <dgm:forEach name="sibTransForEach" axis="followSib" ptType="sibTrans" cnt="1">
+        <dgm:layoutNode name="sibTrans">
+          <dgm:alg type="conn">
+            <dgm:param type="begPts" val="auto"/>
+            <dgm:param type="endPts" val="auto"/>
+          </dgm:alg>
+          <dgm:shape xmlns:r="http://schemas.openxmlformats.org/officeDocument/2006/relationships" type="conn" r:blip="">
+            <dgm:adjLst/>
+          </dgm:shape>
+          <dgm:presOf axis="self"/>
+          <dgm:constrLst>
+            <dgm:constr type="w" refType="h" fact="0.9"/>
+            <dgm:constr type="connDist"/>
+            <dgm:constr type="wArH" refType="w" fact="0.5"/>
+            <dgm:constr type="hArH" refType="w"/>
+            <dgm:constr type="stemThick" refType="w" fact="0.6"/>
+            <dgm:constr type="begPad" refType="connDist" fact="0.125"/>
+            <dgm:constr type="endPad" refType="connDist" fact="0.125"/>
+          </dgm:constrLst>
+          <dgm:ruleLst/>
+          <dgm:layoutNode name="connectorText">
+            <dgm:alg type="tx">
+              <dgm:param type="autoTxRot" val="upr"/>
+            </dgm:alg>
+            <dgm:shape xmlns:r="http://schemas.openxmlformats.org/officeDocument/2006/relationships" type="conn" r:blip="" hideGeom="1">
+              <dgm:adjLst/>
+            </dgm:shape>
+            <dgm:presOf axis="self"/>
+            <dgm:constrLst>
+              <dgm:constr type="lMarg"/>
+              <dgm:constr type="rMarg"/>
+              <dgm:constr type="tMarg"/>
+              <dgm:constr type="bMarg"/>
+            </dgm:constrLst>
+            <dgm:ruleLst>
+              <dgm:rule type="primFontSz" val="5" fact="NaN" max="NaN"/>
+            </dgm:ruleLst>
+          </dgm:layoutNode>
+        </dgm:layoutNode>
+      </dgm:forEach>
+    </dgm:forEach>
+  </dgm:layoutNode>
+</dgm:layoutDef>
+</file>
+
+<file path=ppt/diagrams/layout7.xml><?xml version="1.0" encoding="utf-8"?>
 <dgm:layoutDef xmlns:dgm="http://schemas.openxmlformats.org/drawingml/2006/diagram" xmlns:a="http://schemas.openxmlformats.org/drawingml/2006/main" uniqueId="urn:microsoft.com/office/officeart/2005/8/layout/vList3">
   <dgm:title val=""/>
   <dgm:desc val=""/>
@@ -19313,6 +21564,1040 @@
 </file>
 
 <file path=ppt/diagrams/quickStyle6.xml><?xml version="1.0" encoding="utf-8"?>
+<dgm:styleDef xmlns:dgm="http://schemas.openxmlformats.org/drawingml/2006/diagram" xmlns:a="http://schemas.openxmlformats.org/drawingml/2006/main" uniqueId="urn:microsoft.com/office/officeart/2005/8/quickstyle/simple1">
+  <dgm:title val=""/>
+  <dgm:desc val=""/>
+  <dgm:catLst>
+    <dgm:cat type="simple" pri="10100"/>
+  </dgm:catLst>
+  <dgm:scene3d>
+    <a:camera prst="orthographicFront"/>
+    <a:lightRig rig="threePt" dir="t"/>
+  </dgm:scene3d>
+  <dgm:styleLbl name="node0">
+    <dgm:scene3d>
+      <a:camera prst="orthographicFront"/>
+      <a:lightRig rig="threePt" dir="t"/>
+    </dgm:scene3d>
+    <dgm:sp3d/>
+    <dgm:txPr/>
+    <dgm:style>
+      <a:lnRef idx="2">
+        <a:scrgbClr r="0" g="0" b="0"/>
+      </a:lnRef>
+      <a:fillRef idx="1">
+        <a:scrgbClr r="0" g="0" b="0"/>
+      </a:fillRef>
+      <a:effectRef idx="0">
+        <a:scrgbClr r="0" g="0" b="0"/>
+      </a:effectRef>
+      <a:fontRef idx="minor">
+        <a:schemeClr val="lt1"/>
+      </a:fontRef>
+    </dgm:style>
+  </dgm:styleLbl>
+  <dgm:styleLbl name="lnNode1">
+    <dgm:scene3d>
+      <a:camera prst="orthographicFront"/>
+      <a:lightRig rig="threePt" dir="t"/>
+    </dgm:scene3d>
+    <dgm:sp3d/>
+    <dgm:txPr/>
+    <dgm:style>
+      <a:lnRef idx="2">
+        <a:scrgbClr r="0" g="0" b="0"/>
+      </a:lnRef>
+      <a:fillRef idx="1">
+        <a:scrgbClr r="0" g="0" b="0"/>
+      </a:fillRef>
+      <a:effectRef idx="0">
+        <a:scrgbClr r="0" g="0" b="0"/>
+      </a:effectRef>
+      <a:fontRef idx="minor">
+        <a:schemeClr val="lt1"/>
+      </a:fontRef>
+    </dgm:style>
+  </dgm:styleLbl>
+  <dgm:styleLbl name="vennNode1">
+    <dgm:scene3d>
+      <a:camera prst="orthographicFront"/>
+      <a:lightRig rig="threePt" dir="t"/>
+    </dgm:scene3d>
+    <dgm:sp3d/>
+    <dgm:txPr/>
+    <dgm:style>
+      <a:lnRef idx="2">
+        <a:scrgbClr r="0" g="0" b="0"/>
+      </a:lnRef>
+      <a:fillRef idx="1">
+        <a:scrgbClr r="0" g="0" b="0"/>
+      </a:fillRef>
+      <a:effectRef idx="0">
+        <a:scrgbClr r="0" g="0" b="0"/>
+      </a:effectRef>
+      <a:fontRef idx="minor">
+        <a:schemeClr val="tx1"/>
+      </a:fontRef>
+    </dgm:style>
+  </dgm:styleLbl>
+  <dgm:styleLbl name="alignNode1">
+    <dgm:scene3d>
+      <a:camera prst="orthographicFront"/>
+      <a:lightRig rig="threePt" dir="t"/>
+    </dgm:scene3d>
+    <dgm:sp3d/>
+    <dgm:txPr/>
+    <dgm:style>
+      <a:lnRef idx="2">
+        <a:scrgbClr r="0" g="0" b="0"/>
+      </a:lnRef>
+      <a:fillRef idx="1">
+        <a:scrgbClr r="0" g="0" b="0"/>
+      </a:fillRef>
+      <a:effectRef idx="0">
+        <a:scrgbClr r="0" g="0" b="0"/>
+      </a:effectRef>
+      <a:fontRef idx="minor">
+        <a:schemeClr val="lt1"/>
+      </a:fontRef>
+    </dgm:style>
+  </dgm:styleLbl>
+  <dgm:styleLbl name="node1">
+    <dgm:scene3d>
+      <a:camera prst="orthographicFront"/>
+      <a:lightRig rig="threePt" dir="t"/>
+    </dgm:scene3d>
+    <dgm:sp3d/>
+    <dgm:txPr/>
+    <dgm:style>
+      <a:lnRef idx="2">
+        <a:scrgbClr r="0" g="0" b="0"/>
+      </a:lnRef>
+      <a:fillRef idx="1">
+        <a:scrgbClr r="0" g="0" b="0"/>
+      </a:fillRef>
+      <a:effectRef idx="0">
+        <a:scrgbClr r="0" g="0" b="0"/>
+      </a:effectRef>
+      <a:fontRef idx="minor">
+        <a:schemeClr val="lt1"/>
+      </a:fontRef>
+    </dgm:style>
+  </dgm:styleLbl>
+  <dgm:styleLbl name="node2">
+    <dgm:scene3d>
+      <a:camera prst="orthographicFront"/>
+      <a:lightRig rig="threePt" dir="t"/>
+    </dgm:scene3d>
+    <dgm:sp3d/>
+    <dgm:txPr/>
+    <dgm:style>
+      <a:lnRef idx="2">
+        <a:scrgbClr r="0" g="0" b="0"/>
+      </a:lnRef>
+      <a:fillRef idx="1">
+        <a:scrgbClr r="0" g="0" b="0"/>
+      </a:fillRef>
+      <a:effectRef idx="0">
+        <a:scrgbClr r="0" g="0" b="0"/>
+      </a:effectRef>
+      <a:fontRef idx="minor">
+        <a:schemeClr val="lt1"/>
+      </a:fontRef>
+    </dgm:style>
+  </dgm:styleLbl>
+  <dgm:styleLbl name="node3">
+    <dgm:scene3d>
+      <a:camera prst="orthographicFront"/>
+      <a:lightRig rig="threePt" dir="t"/>
+    </dgm:scene3d>
+    <dgm:sp3d/>
+    <dgm:txPr/>
+    <dgm:style>
+      <a:lnRef idx="2">
+        <a:scrgbClr r="0" g="0" b="0"/>
+      </a:lnRef>
+      <a:fillRef idx="1">
+        <a:scrgbClr r="0" g="0" b="0"/>
+      </a:fillRef>
+      <a:effectRef idx="0">
+        <a:scrgbClr r="0" g="0" b="0"/>
+      </a:effectRef>
+      <a:fontRef idx="minor">
+        <a:schemeClr val="lt1"/>
+      </a:fontRef>
+    </dgm:style>
+  </dgm:styleLbl>
+  <dgm:styleLbl name="node4">
+    <dgm:scene3d>
+      <a:camera prst="orthographicFront"/>
+      <a:lightRig rig="threePt" dir="t"/>
+    </dgm:scene3d>
+    <dgm:sp3d/>
+    <dgm:txPr/>
+    <dgm:style>
+      <a:lnRef idx="2">
+        <a:scrgbClr r="0" g="0" b="0"/>
+      </a:lnRef>
+      <a:fillRef idx="1">
+        <a:scrgbClr r="0" g="0" b="0"/>
+      </a:fillRef>
+      <a:effectRef idx="0">
+        <a:scrgbClr r="0" g="0" b="0"/>
+      </a:effectRef>
+      <a:fontRef idx="minor">
+        <a:schemeClr val="lt1"/>
+      </a:fontRef>
+    </dgm:style>
+  </dgm:styleLbl>
+  <dgm:styleLbl name="fgImgPlace1">
+    <dgm:scene3d>
+      <a:camera prst="orthographicFront"/>
+      <a:lightRig rig="threePt" dir="t"/>
+    </dgm:scene3d>
+    <dgm:sp3d/>
+    <dgm:txPr/>
+    <dgm:style>
+      <a:lnRef idx="2">
+        <a:scrgbClr r="0" g="0" b="0"/>
+      </a:lnRef>
+      <a:fillRef idx="1">
+        <a:scrgbClr r="0" g="0" b="0"/>
+      </a:fillRef>
+      <a:effectRef idx="0">
+        <a:scrgbClr r="0" g="0" b="0"/>
+      </a:effectRef>
+      <a:fontRef idx="minor"/>
+    </dgm:style>
+  </dgm:styleLbl>
+  <dgm:styleLbl name="alignImgPlace1">
+    <dgm:scene3d>
+      <a:camera prst="orthographicFront"/>
+      <a:lightRig rig="threePt" dir="t"/>
+    </dgm:scene3d>
+    <dgm:sp3d/>
+    <dgm:txPr/>
+    <dgm:style>
+      <a:lnRef idx="2">
+        <a:scrgbClr r="0" g="0" b="0"/>
+      </a:lnRef>
+      <a:fillRef idx="1">
+        <a:scrgbClr r="0" g="0" b="0"/>
+      </a:fillRef>
+      <a:effectRef idx="0">
+        <a:scrgbClr r="0" g="0" b="0"/>
+      </a:effectRef>
+      <a:fontRef idx="minor"/>
+    </dgm:style>
+  </dgm:styleLbl>
+  <dgm:styleLbl name="bgImgPlace1">
+    <dgm:scene3d>
+      <a:camera prst="orthographicFront"/>
+      <a:lightRig rig="threePt" dir="t"/>
+    </dgm:scene3d>
+    <dgm:sp3d/>
+    <dgm:txPr/>
+    <dgm:style>
+      <a:lnRef idx="2">
+        <a:scrgbClr r="0" g="0" b="0"/>
+      </a:lnRef>
+      <a:fillRef idx="1">
+        <a:scrgbClr r="0" g="0" b="0"/>
+      </a:fillRef>
+      <a:effectRef idx="0">
+        <a:scrgbClr r="0" g="0" b="0"/>
+      </a:effectRef>
+      <a:fontRef idx="minor"/>
+    </dgm:style>
+  </dgm:styleLbl>
+  <dgm:styleLbl name="sibTrans2D1">
+    <dgm:scene3d>
+      <a:camera prst="orthographicFront"/>
+      <a:lightRig rig="threePt" dir="t"/>
+    </dgm:scene3d>
+    <dgm:sp3d/>
+    <dgm:txPr/>
+    <dgm:style>
+      <a:lnRef idx="0">
+        <a:scrgbClr r="0" g="0" b="0"/>
+      </a:lnRef>
+      <a:fillRef idx="1">
+        <a:scrgbClr r="0" g="0" b="0"/>
+      </a:fillRef>
+      <a:effectRef idx="0">
+        <a:scrgbClr r="0" g="0" b="0"/>
+      </a:effectRef>
+      <a:fontRef idx="minor">
+        <a:schemeClr val="lt1"/>
+      </a:fontRef>
+    </dgm:style>
+  </dgm:styleLbl>
+  <dgm:styleLbl name="fgSibTrans2D1">
+    <dgm:scene3d>
+      <a:camera prst="orthographicFront"/>
+      <a:lightRig rig="threePt" dir="t"/>
+    </dgm:scene3d>
+    <dgm:sp3d/>
+    <dgm:txPr/>
+    <dgm:style>
+      <a:lnRef idx="0">
+        <a:scrgbClr r="0" g="0" b="0"/>
+      </a:lnRef>
+      <a:fillRef idx="1">
+        <a:scrgbClr r="0" g="0" b="0"/>
+      </a:fillRef>
+      <a:effectRef idx="0">
+        <a:scrgbClr r="0" g="0" b="0"/>
+      </a:effectRef>
+      <a:fontRef idx="minor">
+        <a:schemeClr val="lt1"/>
+      </a:fontRef>
+    </dgm:style>
+  </dgm:styleLbl>
+  <dgm:styleLbl name="bgSibTrans2D1">
+    <dgm:scene3d>
+      <a:camera prst="orthographicFront"/>
+      <a:lightRig rig="threePt" dir="t"/>
+    </dgm:scene3d>
+    <dgm:sp3d/>
+    <dgm:txPr/>
+    <dgm:style>
+      <a:lnRef idx="0">
+        <a:scrgbClr r="0" g="0" b="0"/>
+      </a:lnRef>
+      <a:fillRef idx="1">
+        <a:scrgbClr r="0" g="0" b="0"/>
+      </a:fillRef>
+      <a:effectRef idx="0">
+        <a:scrgbClr r="0" g="0" b="0"/>
+      </a:effectRef>
+      <a:fontRef idx="minor">
+        <a:schemeClr val="lt1"/>
+      </a:fontRef>
+    </dgm:style>
+  </dgm:styleLbl>
+  <dgm:styleLbl name="sibTrans1D1">
+    <dgm:scene3d>
+      <a:camera prst="orthographicFront"/>
+      <a:lightRig rig="threePt" dir="t"/>
+    </dgm:scene3d>
+    <dgm:sp3d/>
+    <dgm:txPr/>
+    <dgm:style>
+      <a:lnRef idx="1">
+        <a:scrgbClr r="0" g="0" b="0"/>
+      </a:lnRef>
+      <a:fillRef idx="0">
+        <a:scrgbClr r="0" g="0" b="0"/>
+      </a:fillRef>
+      <a:effectRef idx="0">
+        <a:scrgbClr r="0" g="0" b="0"/>
+      </a:effectRef>
+      <a:fontRef idx="minor"/>
+    </dgm:style>
+  </dgm:styleLbl>
+  <dgm:styleLbl name="callout">
+    <dgm:scene3d>
+      <a:camera prst="orthographicFront"/>
+      <a:lightRig rig="threePt" dir="t"/>
+    </dgm:scene3d>
+    <dgm:sp3d/>
+    <dgm:txPr/>
+    <dgm:style>
+      <a:lnRef idx="2">
+        <a:scrgbClr r="0" g="0" b="0"/>
+      </a:lnRef>
+      <a:fillRef idx="1">
+        <a:scrgbClr r="0" g="0" b="0"/>
+      </a:fillRef>
+      <a:effectRef idx="0">
+        <a:scrgbClr r="0" g="0" b="0"/>
+      </a:effectRef>
+      <a:fontRef idx="minor"/>
+    </dgm:style>
+  </dgm:styleLbl>
+  <dgm:styleLbl name="asst0">
+    <dgm:scene3d>
+      <a:camera prst="orthographicFront"/>
+      <a:lightRig rig="threePt" dir="t"/>
+    </dgm:scene3d>
+    <dgm:sp3d/>
+    <dgm:txPr/>
+    <dgm:style>
+      <a:lnRef idx="2">
+        <a:scrgbClr r="0" g="0" b="0"/>
+      </a:lnRef>
+      <a:fillRef idx="1">
+        <a:scrgbClr r="0" g="0" b="0"/>
+      </a:fillRef>
+      <a:effectRef idx="0">
+        <a:scrgbClr r="0" g="0" b="0"/>
+      </a:effectRef>
+      <a:fontRef idx="minor">
+        <a:schemeClr val="lt1"/>
+      </a:fontRef>
+    </dgm:style>
+  </dgm:styleLbl>
+  <dgm:styleLbl name="asst1">
+    <dgm:scene3d>
+      <a:camera prst="orthographicFront"/>
+      <a:lightRig rig="threePt" dir="t"/>
+    </dgm:scene3d>
+    <dgm:sp3d/>
+    <dgm:txPr/>
+    <dgm:style>
+      <a:lnRef idx="2">
+        <a:scrgbClr r="0" g="0" b="0"/>
+      </a:lnRef>
+      <a:fillRef idx="1">
+        <a:scrgbClr r="0" g="0" b="0"/>
+      </a:fillRef>
+      <a:effectRef idx="0">
+        <a:scrgbClr r="0" g="0" b="0"/>
+      </a:effectRef>
+      <a:fontRef idx="minor">
+        <a:schemeClr val="lt1"/>
+      </a:fontRef>
+    </dgm:style>
+  </dgm:styleLbl>
+  <dgm:styleLbl name="asst2">
+    <dgm:scene3d>
+      <a:camera prst="orthographicFront"/>
+      <a:lightRig rig="threePt" dir="t"/>
+    </dgm:scene3d>
+    <dgm:sp3d/>
+    <dgm:txPr/>
+    <dgm:style>
+      <a:lnRef idx="2">
+        <a:scrgbClr r="0" g="0" b="0"/>
+      </a:lnRef>
+      <a:fillRef idx="1">
+        <a:scrgbClr r="0" g="0" b="0"/>
+      </a:fillRef>
+      <a:effectRef idx="0">
+        <a:scrgbClr r="0" g="0" b="0"/>
+      </a:effectRef>
+      <a:fontRef idx="minor">
+        <a:schemeClr val="lt1"/>
+      </a:fontRef>
+    </dgm:style>
+  </dgm:styleLbl>
+  <dgm:styleLbl name="asst3">
+    <dgm:scene3d>
+      <a:camera prst="orthographicFront"/>
+      <a:lightRig rig="threePt" dir="t"/>
+    </dgm:scene3d>
+    <dgm:sp3d/>
+    <dgm:txPr/>
+    <dgm:style>
+      <a:lnRef idx="2">
+        <a:scrgbClr r="0" g="0" b="0"/>
+      </a:lnRef>
+      <a:fillRef idx="1">
+        <a:scrgbClr r="0" g="0" b="0"/>
+      </a:fillRef>
+      <a:effectRef idx="0">
+        <a:scrgbClr r="0" g="0" b="0"/>
+      </a:effectRef>
+      <a:fontRef idx="minor">
+        <a:schemeClr val="lt1"/>
+      </a:fontRef>
+    </dgm:style>
+  </dgm:styleLbl>
+  <dgm:styleLbl name="asst4">
+    <dgm:scene3d>
+      <a:camera prst="orthographicFront"/>
+      <a:lightRig rig="threePt" dir="t"/>
+    </dgm:scene3d>
+    <dgm:sp3d/>
+    <dgm:txPr/>
+    <dgm:style>
+      <a:lnRef idx="2">
+        <a:scrgbClr r="0" g="0" b="0"/>
+      </a:lnRef>
+      <a:fillRef idx="1">
+        <a:scrgbClr r="0" g="0" b="0"/>
+      </a:fillRef>
+      <a:effectRef idx="0">
+        <a:scrgbClr r="0" g="0" b="0"/>
+      </a:effectRef>
+      <a:fontRef idx="minor">
+        <a:schemeClr val="lt1"/>
+      </a:fontRef>
+    </dgm:style>
+  </dgm:styleLbl>
+  <dgm:styleLbl name="parChTrans2D1">
+    <dgm:scene3d>
+      <a:camera prst="orthographicFront"/>
+      <a:lightRig rig="threePt" dir="t"/>
+    </dgm:scene3d>
+    <dgm:sp3d/>
+    <dgm:txPr/>
+    <dgm:style>
+      <a:lnRef idx="2">
+        <a:scrgbClr r="0" g="0" b="0"/>
+      </a:lnRef>
+      <a:fillRef idx="1">
+        <a:scrgbClr r="0" g="0" b="0"/>
+      </a:fillRef>
+      <a:effectRef idx="0">
+        <a:scrgbClr r="0" g="0" b="0"/>
+      </a:effectRef>
+      <a:fontRef idx="minor">
+        <a:schemeClr val="lt1"/>
+      </a:fontRef>
+    </dgm:style>
+  </dgm:styleLbl>
+  <dgm:styleLbl name="parChTrans2D2">
+    <dgm:scene3d>
+      <a:camera prst="orthographicFront"/>
+      <a:lightRig rig="threePt" dir="t"/>
+    </dgm:scene3d>
+    <dgm:sp3d/>
+    <dgm:txPr/>
+    <dgm:style>
+      <a:lnRef idx="2">
+        <a:scrgbClr r="0" g="0" b="0"/>
+      </a:lnRef>
+      <a:fillRef idx="1">
+        <a:scrgbClr r="0" g="0" b="0"/>
+      </a:fillRef>
+      <a:effectRef idx="0">
+        <a:scrgbClr r="0" g="0" b="0"/>
+      </a:effectRef>
+      <a:fontRef idx="minor">
+        <a:schemeClr val="lt1"/>
+      </a:fontRef>
+    </dgm:style>
+  </dgm:styleLbl>
+  <dgm:styleLbl name="parChTrans2D3">
+    <dgm:scene3d>
+      <a:camera prst="orthographicFront"/>
+      <a:lightRig rig="threePt" dir="t"/>
+    </dgm:scene3d>
+    <dgm:sp3d/>
+    <dgm:txPr/>
+    <dgm:style>
+      <a:lnRef idx="2">
+        <a:scrgbClr r="0" g="0" b="0"/>
+      </a:lnRef>
+      <a:fillRef idx="1">
+        <a:scrgbClr r="0" g="0" b="0"/>
+      </a:fillRef>
+      <a:effectRef idx="0">
+        <a:scrgbClr r="0" g="0" b="0"/>
+      </a:effectRef>
+      <a:fontRef idx="minor">
+        <a:schemeClr val="lt1"/>
+      </a:fontRef>
+    </dgm:style>
+  </dgm:styleLbl>
+  <dgm:styleLbl name="parChTrans2D4">
+    <dgm:scene3d>
+      <a:camera prst="orthographicFront"/>
+      <a:lightRig rig="threePt" dir="t"/>
+    </dgm:scene3d>
+    <dgm:sp3d/>
+    <dgm:txPr/>
+    <dgm:style>
+      <a:lnRef idx="2">
+        <a:scrgbClr r="0" g="0" b="0"/>
+      </a:lnRef>
+      <a:fillRef idx="1">
+        <a:scrgbClr r="0" g="0" b="0"/>
+      </a:fillRef>
+      <a:effectRef idx="0">
+        <a:scrgbClr r="0" g="0" b="0"/>
+      </a:effectRef>
+      <a:fontRef idx="minor">
+        <a:schemeClr val="lt1"/>
+      </a:fontRef>
+    </dgm:style>
+  </dgm:styleLbl>
+  <dgm:styleLbl name="parChTrans1D1">
+    <dgm:scene3d>
+      <a:camera prst="orthographicFront"/>
+      <a:lightRig rig="threePt" dir="t"/>
+    </dgm:scene3d>
+    <dgm:sp3d/>
+    <dgm:txPr/>
+    <dgm:style>
+      <a:lnRef idx="2">
+        <a:scrgbClr r="0" g="0" b="0"/>
+      </a:lnRef>
+      <a:fillRef idx="0">
+        <a:scrgbClr r="0" g="0" b="0"/>
+      </a:fillRef>
+      <a:effectRef idx="0">
+        <a:scrgbClr r="0" g="0" b="0"/>
+      </a:effectRef>
+      <a:fontRef idx="minor"/>
+    </dgm:style>
+  </dgm:styleLbl>
+  <dgm:styleLbl name="parChTrans1D2">
+    <dgm:scene3d>
+      <a:camera prst="orthographicFront"/>
+      <a:lightRig rig="threePt" dir="t"/>
+    </dgm:scene3d>
+    <dgm:sp3d/>
+    <dgm:txPr/>
+    <dgm:style>
+      <a:lnRef idx="2">
+        <a:scrgbClr r="0" g="0" b="0"/>
+      </a:lnRef>
+      <a:fillRef idx="0">
+        <a:scrgbClr r="0" g="0" b="0"/>
+      </a:fillRef>
+      <a:effectRef idx="0">
+        <a:scrgbClr r="0" g="0" b="0"/>
+      </a:effectRef>
+      <a:fontRef idx="minor"/>
+    </dgm:style>
+  </dgm:styleLbl>
+  <dgm:styleLbl name="parChTrans1D3">
+    <dgm:scene3d>
+      <a:camera prst="orthographicFront"/>
+      <a:lightRig rig="threePt" dir="t"/>
+    </dgm:scene3d>
+    <dgm:sp3d/>
+    <dgm:txPr/>
+    <dgm:style>
+      <a:lnRef idx="2">
+        <a:scrgbClr r="0" g="0" b="0"/>
+      </a:lnRef>
+      <a:fillRef idx="0">
+        <a:scrgbClr r="0" g="0" b="0"/>
+      </a:fillRef>
+      <a:effectRef idx="0">
+        <a:scrgbClr r="0" g="0" b="0"/>
+      </a:effectRef>
+      <a:fontRef idx="minor"/>
+    </dgm:style>
+  </dgm:styleLbl>
+  <dgm:styleLbl name="parChTrans1D4">
+    <dgm:scene3d>
+      <a:camera prst="orthographicFront"/>
+      <a:lightRig rig="threePt" dir="t"/>
+    </dgm:scene3d>
+    <dgm:sp3d/>
+    <dgm:txPr/>
+    <dgm:style>
+      <a:lnRef idx="2">
+        <a:scrgbClr r="0" g="0" b="0"/>
+      </a:lnRef>
+      <a:fillRef idx="0">
+        <a:scrgbClr r="0" g="0" b="0"/>
+      </a:fillRef>
+      <a:effectRef idx="0">
+        <a:scrgbClr r="0" g="0" b="0"/>
+      </a:effectRef>
+      <a:fontRef idx="minor"/>
+    </dgm:style>
+  </dgm:styleLbl>
+  <dgm:styleLbl name="fgAcc1">
+    <dgm:scene3d>
+      <a:camera prst="orthographicFront"/>
+      <a:lightRig rig="threePt" dir="t"/>
+    </dgm:scene3d>
+    <dgm:sp3d/>
+    <dgm:txPr/>
+    <dgm:style>
+      <a:lnRef idx="2">
+        <a:scrgbClr r="0" g="0" b="0"/>
+      </a:lnRef>
+      <a:fillRef idx="1">
+        <a:scrgbClr r="0" g="0" b="0"/>
+      </a:fillRef>
+      <a:effectRef idx="0">
+        <a:scrgbClr r="0" g="0" b="0"/>
+      </a:effectRef>
+      <a:fontRef idx="minor"/>
+    </dgm:style>
+  </dgm:styleLbl>
+  <dgm:styleLbl name="conFgAcc1">
+    <dgm:scene3d>
+      <a:camera prst="orthographicFront"/>
+      <a:lightRig rig="threePt" dir="t"/>
+    </dgm:scene3d>
+    <dgm:sp3d/>
+    <dgm:txPr/>
+    <dgm:style>
+      <a:lnRef idx="2">
+        <a:scrgbClr r="0" g="0" b="0"/>
+      </a:lnRef>
+      <a:fillRef idx="1">
+        <a:scrgbClr r="0" g="0" b="0"/>
+      </a:fillRef>
+      <a:effectRef idx="0">
+        <a:scrgbClr r="0" g="0" b="0"/>
+      </a:effectRef>
+      <a:fontRef idx="minor"/>
+    </dgm:style>
+  </dgm:styleLbl>
+  <dgm:styleLbl name="alignAcc1">
+    <dgm:scene3d>
+      <a:camera prst="orthographicFront"/>
+      <a:lightRig rig="threePt" dir="t"/>
+    </dgm:scene3d>
+    <dgm:sp3d/>
+    <dgm:txPr/>
+    <dgm:style>
+      <a:lnRef idx="2">
+        <a:scrgbClr r="0" g="0" b="0"/>
+      </a:lnRef>
+      <a:fillRef idx="1">
+        <a:scrgbClr r="0" g="0" b="0"/>
+      </a:fillRef>
+      <a:effectRef idx="0">
+        <a:scrgbClr r="0" g="0" b="0"/>
+      </a:effectRef>
+      <a:fontRef idx="minor"/>
+    </dgm:style>
+  </dgm:styleLbl>
+  <dgm:styleLbl name="trAlignAcc1">
+    <dgm:scene3d>
+      <a:camera prst="orthographicFront"/>
+      <a:lightRig rig="threePt" dir="t"/>
+    </dgm:scene3d>
+    <dgm:sp3d/>
+    <dgm:txPr/>
+    <dgm:style>
+      <a:lnRef idx="1">
+        <a:scrgbClr r="0" g="0" b="0"/>
+      </a:lnRef>
+      <a:fillRef idx="1">
+        <a:scrgbClr r="0" g="0" b="0"/>
+      </a:fillRef>
+      <a:effectRef idx="0">
+        <a:scrgbClr r="0" g="0" b="0"/>
+      </a:effectRef>
+      <a:fontRef idx="minor"/>
+    </dgm:style>
+  </dgm:styleLbl>
+  <dgm:styleLbl name="bgAcc1">
+    <dgm:scene3d>
+      <a:camera prst="orthographicFront"/>
+      <a:lightRig rig="threePt" dir="t"/>
+    </dgm:scene3d>
+    <dgm:sp3d/>
+    <dgm:txPr/>
+    <dgm:style>
+      <a:lnRef idx="2">
+        <a:scrgbClr r="0" g="0" b="0"/>
+      </a:lnRef>
+      <a:fillRef idx="1">
+        <a:scrgbClr r="0" g="0" b="0"/>
+      </a:fillRef>
+      <a:effectRef idx="0">
+        <a:scrgbClr r="0" g="0" b="0"/>
+      </a:effectRef>
+      <a:fontRef idx="minor"/>
+    </dgm:style>
+  </dgm:styleLbl>
+  <dgm:styleLbl name="solidFgAcc1">
+    <dgm:scene3d>
+      <a:camera prst="orthographicFront"/>
+      <a:lightRig rig="threePt" dir="t"/>
+    </dgm:scene3d>
+    <dgm:sp3d/>
+    <dgm:txPr/>
+    <dgm:style>
+      <a:lnRef idx="2">
+        <a:scrgbClr r="0" g="0" b="0"/>
+      </a:lnRef>
+      <a:fillRef idx="1">
+        <a:scrgbClr r="0" g="0" b="0"/>
+      </a:fillRef>
+      <a:effectRef idx="0">
+        <a:scrgbClr r="0" g="0" b="0"/>
+      </a:effectRef>
+      <a:fontRef idx="minor"/>
+    </dgm:style>
+  </dgm:styleLbl>
+  <dgm:styleLbl name="solidAlignAcc1">
+    <dgm:scene3d>
+      <a:camera prst="orthographicFront"/>
+      <a:lightRig rig="threePt" dir="t"/>
+    </dgm:scene3d>
+    <dgm:sp3d/>
+    <dgm:txPr/>
+    <dgm:style>
+      <a:lnRef idx="2">
+        <a:scrgbClr r="0" g="0" b="0"/>
+      </a:lnRef>
+      <a:fillRef idx="1">
+        <a:scrgbClr r="0" g="0" b="0"/>
+      </a:fillRef>
+      <a:effectRef idx="0">
+        <a:scrgbClr r="0" g="0" b="0"/>
+      </a:effectRef>
+      <a:fontRef idx="minor"/>
+    </dgm:style>
+  </dgm:styleLbl>
+  <dgm:styleLbl name="solidBgAcc1">
+    <dgm:scene3d>
+      <a:camera prst="orthographicFront"/>
+      <a:lightRig rig="threePt" dir="t"/>
+    </dgm:scene3d>
+    <dgm:sp3d/>
+    <dgm:txPr/>
+    <dgm:style>
+      <a:lnRef idx="2">
+        <a:scrgbClr r="0" g="0" b="0"/>
+      </a:lnRef>
+      <a:fillRef idx="1">
+        <a:scrgbClr r="0" g="0" b="0"/>
+      </a:fillRef>
+      <a:effectRef idx="0">
+        <a:scrgbClr r="0" g="0" b="0"/>
+      </a:effectRef>
+      <a:fontRef idx="minor"/>
+    </dgm:style>
+  </dgm:styleLbl>
+  <dgm:styleLbl name="fgAccFollowNode1">
+    <dgm:scene3d>
+      <a:camera prst="orthographicFront"/>
+      <a:lightRig rig="threePt" dir="t"/>
+    </dgm:scene3d>
+    <dgm:sp3d/>
+    <dgm:txPr/>
+    <dgm:style>
+      <a:lnRef idx="2">
+        <a:scrgbClr r="0" g="0" b="0"/>
+      </a:lnRef>
+      <a:fillRef idx="1">
+        <a:scrgbClr r="0" g="0" b="0"/>
+      </a:fillRef>
+      <a:effectRef idx="0">
+        <a:scrgbClr r="0" g="0" b="0"/>
+      </a:effectRef>
+      <a:fontRef idx="minor"/>
+    </dgm:style>
+  </dgm:styleLbl>
+  <dgm:styleLbl name="alignAccFollowNode1">
+    <dgm:scene3d>
+      <a:camera prst="orthographicFront"/>
+      <a:lightRig rig="threePt" dir="t"/>
+    </dgm:scene3d>
+    <dgm:sp3d/>
+    <dgm:txPr/>
+    <dgm:style>
+      <a:lnRef idx="2">
+        <a:scrgbClr r="0" g="0" b="0"/>
+      </a:lnRef>
+      <a:fillRef idx="1">
+        <a:scrgbClr r="0" g="0" b="0"/>
+      </a:fillRef>
+      <a:effectRef idx="0">
+        <a:scrgbClr r="0" g="0" b="0"/>
+      </a:effectRef>
+      <a:fontRef idx="minor"/>
+    </dgm:style>
+  </dgm:styleLbl>
+  <dgm:styleLbl name="bgAccFollowNode1">
+    <dgm:scene3d>
+      <a:camera prst="orthographicFront"/>
+      <a:lightRig rig="threePt" dir="t"/>
+    </dgm:scene3d>
+    <dgm:sp3d/>
+    <dgm:txPr/>
+    <dgm:style>
+      <a:lnRef idx="2">
+        <a:scrgbClr r="0" g="0" b="0"/>
+      </a:lnRef>
+      <a:fillRef idx="1">
+        <a:scrgbClr r="0" g="0" b="0"/>
+      </a:fillRef>
+      <a:effectRef idx="0">
+        <a:scrgbClr r="0" g="0" b="0"/>
+      </a:effectRef>
+      <a:fontRef idx="minor"/>
+    </dgm:style>
+  </dgm:styleLbl>
+  <dgm:styleLbl name="fgAcc0">
+    <dgm:scene3d>
+      <a:camera prst="orthographicFront"/>
+      <a:lightRig rig="threePt" dir="t"/>
+    </dgm:scene3d>
+    <dgm:sp3d/>
+    <dgm:txPr/>
+    <dgm:style>
+      <a:lnRef idx="2">
+        <a:scrgbClr r="0" g="0" b="0"/>
+      </a:lnRef>
+      <a:fillRef idx="1">
+        <a:scrgbClr r="0" g="0" b="0"/>
+      </a:fillRef>
+      <a:effectRef idx="0">
+        <a:scrgbClr r="0" g="0" b="0"/>
+      </a:effectRef>
+      <a:fontRef idx="minor"/>
+    </dgm:style>
+  </dgm:styleLbl>
+  <dgm:styleLbl name="fgAcc2">
+    <dgm:scene3d>
+      <a:camera prst="orthographicFront"/>
+      <a:lightRig rig="threePt" dir="t"/>
+    </dgm:scene3d>
+    <dgm:sp3d/>
+    <dgm:txPr/>
+    <dgm:style>
+      <a:lnRef idx="2">
+        <a:scrgbClr r="0" g="0" b="0"/>
+      </a:lnRef>
+      <a:fillRef idx="1">
+        <a:scrgbClr r="0" g="0" b="0"/>
+      </a:fillRef>
+      <a:effectRef idx="0">
+        <a:scrgbClr r="0" g="0" b="0"/>
+      </a:effectRef>
+      <a:fontRef idx="minor"/>
+    </dgm:style>
+  </dgm:styleLbl>
+  <dgm:styleLbl name="fgAcc3">
+    <dgm:scene3d>
+      <a:camera prst="orthographicFront"/>
+      <a:lightRig rig="threePt" dir="t"/>
+    </dgm:scene3d>
+    <dgm:sp3d/>
+    <dgm:txPr/>
+    <dgm:style>
+      <a:lnRef idx="2">
+        <a:scrgbClr r="0" g="0" b="0"/>
+      </a:lnRef>
+      <a:fillRef idx="1">
+        <a:scrgbClr r="0" g="0" b="0"/>
+      </a:fillRef>
+      <a:effectRef idx="0">
+        <a:scrgbClr r="0" g="0" b="0"/>
+      </a:effectRef>
+      <a:fontRef idx="minor"/>
+    </dgm:style>
+  </dgm:styleLbl>
+  <dgm:styleLbl name="fgAcc4">
+    <dgm:scene3d>
+      <a:camera prst="orthographicFront"/>
+      <a:lightRig rig="threePt" dir="t"/>
+    </dgm:scene3d>
+    <dgm:sp3d/>
+    <dgm:txPr/>
+    <dgm:style>
+      <a:lnRef idx="2">
+        <a:scrgbClr r="0" g="0" b="0"/>
+      </a:lnRef>
+      <a:fillRef idx="1">
+        <a:scrgbClr r="0" g="0" b="0"/>
+      </a:fillRef>
+      <a:effectRef idx="0">
+        <a:scrgbClr r="0" g="0" b="0"/>
+      </a:effectRef>
+      <a:fontRef idx="minor"/>
+    </dgm:style>
+  </dgm:styleLbl>
+  <dgm:styleLbl name="bgShp">
+    <dgm:scene3d>
+      <a:camera prst="orthographicFront"/>
+      <a:lightRig rig="threePt" dir="t"/>
+    </dgm:scene3d>
+    <dgm:sp3d/>
+    <dgm:txPr/>
+    <dgm:style>
+      <a:lnRef idx="0">
+        <a:scrgbClr r="0" g="0" b="0"/>
+      </a:lnRef>
+      <a:fillRef idx="1">
+        <a:scrgbClr r="0" g="0" b="0"/>
+      </a:fillRef>
+      <a:effectRef idx="0">
+        <a:scrgbClr r="0" g="0" b="0"/>
+      </a:effectRef>
+      <a:fontRef idx="minor"/>
+    </dgm:style>
+  </dgm:styleLbl>
+  <dgm:styleLbl name="dkBgShp">
+    <dgm:scene3d>
+      <a:camera prst="orthographicFront"/>
+      <a:lightRig rig="threePt" dir="t"/>
+    </dgm:scene3d>
+    <dgm:sp3d/>
+    <dgm:txPr/>
+    <dgm:style>
+      <a:lnRef idx="0">
+        <a:scrgbClr r="0" g="0" b="0"/>
+      </a:lnRef>
+      <a:fillRef idx="1">
+        <a:scrgbClr r="0" g="0" b="0"/>
+      </a:fillRef>
+      <a:effectRef idx="0">
+        <a:scrgbClr r="0" g="0" b="0"/>
+      </a:effectRef>
+      <a:fontRef idx="minor"/>
+    </dgm:style>
+  </dgm:styleLbl>
+  <dgm:styleLbl name="trBgShp">
+    <dgm:scene3d>
+      <a:camera prst="orthographicFront"/>
+      <a:lightRig rig="threePt" dir="t"/>
+    </dgm:scene3d>
+    <dgm:sp3d/>
+    <dgm:txPr/>
+    <dgm:style>
+      <a:lnRef idx="0">
+        <a:scrgbClr r="0" g="0" b="0"/>
+      </a:lnRef>
+      <a:fillRef idx="1">
+        <a:scrgbClr r="0" g="0" b="0"/>
+      </a:fillRef>
+      <a:effectRef idx="0">
+        <a:scrgbClr r="0" g="0" b="0"/>
+      </a:effectRef>
+      <a:fontRef idx="minor"/>
+    </dgm:style>
+  </dgm:styleLbl>
+  <dgm:styleLbl name="fgShp">
+    <dgm:scene3d>
+      <a:camera prst="orthographicFront"/>
+      <a:lightRig rig="threePt" dir="t"/>
+    </dgm:scene3d>
+    <dgm:sp3d/>
+    <dgm:txPr/>
+    <dgm:style>
+      <a:lnRef idx="2">
+        <a:scrgbClr r="0" g="0" b="0"/>
+      </a:lnRef>
+      <a:fillRef idx="1">
+        <a:scrgbClr r="0" g="0" b="0"/>
+      </a:fillRef>
+      <a:effectRef idx="0">
+        <a:scrgbClr r="0" g="0" b="0"/>
+      </a:effectRef>
+      <a:fontRef idx="minor"/>
+    </dgm:style>
+  </dgm:styleLbl>
+  <dgm:styleLbl name="revTx">
+    <dgm:scene3d>
+      <a:camera prst="orthographicFront"/>
+      <a:lightRig rig="threePt" dir="t"/>
+    </dgm:scene3d>
+    <dgm:sp3d/>
+    <dgm:txPr/>
+    <dgm:style>
+      <a:lnRef idx="0">
+        <a:scrgbClr r="0" g="0" b="0"/>
+      </a:lnRef>
+      <a:fillRef idx="0">
+        <a:scrgbClr r="0" g="0" b="0"/>
+      </a:fillRef>
+      <a:effectRef idx="0">
+        <a:scrgbClr r="0" g="0" b="0"/>
+      </a:effectRef>
+      <a:fontRef idx="minor"/>
+    </dgm:style>
+  </dgm:styleLbl>
+</dgm:styleDef>
+</file>
+
+<file path=ppt/diagrams/quickStyle7.xml><?xml version="1.0" encoding="utf-8"?>
 <dgm:styleDef xmlns:dgm="http://schemas.openxmlformats.org/drawingml/2006/diagram" xmlns:a="http://schemas.openxmlformats.org/drawingml/2006/main" uniqueId="urn:microsoft.com/office/officeart/2005/8/quickstyle/simple1">
   <dgm:title val=""/>
   <dgm:desc val=""/>
@@ -24797,7 +28082,7 @@
           <a:bodyPr/>
           <a:lstStyle/>
           <a:p>
-            <a:endParaRPr lang="en-US"/>
+            <a:endParaRPr lang="en-US" dirty="0"/>
           </a:p>
         </p:txBody>
       </p:sp>
@@ -24936,35 +28221,63 @@
             <p:ph type="title"/>
           </p:nvPr>
         </p:nvSpPr>
-        <p:spPr/>
+        <p:spPr>
+          <a:xfrm>
+            <a:off x="822960" y="734096"/>
+            <a:ext cx="7543800" cy="1003265"/>
+          </a:xfrm>
+        </p:spPr>
         <p:txBody>
-          <a:bodyPr/>
+          <a:bodyPr>
+            <a:noAutofit/>
+          </a:bodyPr>
           <a:lstStyle/>
           <a:p>
             <a:r>
-              <a:rPr lang="en-US" dirty="0" smtClean="0"/>
-              <a:t>Demo</a:t>
+              <a:rPr lang="en-US" sz="3600" dirty="0" smtClean="0">
+                <a:solidFill>
+                  <a:srgbClr val="116F3C"/>
+                </a:solidFill>
+              </a:rPr>
+              <a:t>Flow 1: Post Job </a:t>
             </a:r>
-            <a:endParaRPr lang="en-US" dirty="0"/>
-          </a:p>
-        </p:txBody>
-      </p:sp>
-      <p:sp>
-        <p:nvSpPr>
-          <p:cNvPr id="3" name="Content Placeholder 2"/>
-          <p:cNvSpPr>
-            <a:spLocks noGrp="1"/>
-          </p:cNvSpPr>
-          <p:nvPr>
-            <p:ph idx="1"/>
-          </p:nvPr>
-        </p:nvSpPr>
-        <p:spPr/>
-        <p:txBody>
-          <a:bodyPr/>
-          <a:lstStyle/>
-          <a:p>
-            <a:endParaRPr lang="en-US"/>
+            <a:r>
+              <a:rPr lang="en-US" sz="3600" dirty="0">
+                <a:solidFill>
+                  <a:srgbClr val="116F3C"/>
+                </a:solidFill>
+              </a:rPr>
+              <a:t>R</a:t>
+            </a:r>
+            <a:r>
+              <a:rPr lang="en-US" sz="3600" dirty="0" smtClean="0">
+                <a:solidFill>
+                  <a:srgbClr val="116F3C"/>
+                </a:solidFill>
+              </a:rPr>
+              <a:t>equest </a:t>
+            </a:r>
+            <a:r>
+              <a:rPr lang="en-US" sz="3600" dirty="0" smtClean="0">
+                <a:solidFill>
+                  <a:srgbClr val="116F3C"/>
+                </a:solidFill>
+              </a:rPr>
+              <a:t>F</a:t>
+            </a:r>
+            <a:r>
+              <a:rPr lang="en-US" sz="3600" dirty="0" smtClean="0">
+                <a:solidFill>
+                  <a:srgbClr val="116F3C"/>
+                </a:solidFill>
+              </a:rPr>
+              <a:t>low Demo</a:t>
+            </a:r>
+            <a:endParaRPr lang="en-US" sz="3600" dirty="0">
+              <a:solidFill>
+                <a:srgbClr val="116F3C"/>
+              </a:solidFill>
+            </a:endParaRPr>
           </a:p>
         </p:txBody>
       </p:sp>
@@ -25037,6 +28350,148 @@
           </a:p>
         </p:txBody>
       </p:sp>
+      <p:graphicFrame>
+        <p:nvGraphicFramePr>
+          <p:cNvPr id="10" name="Diagram 9"/>
+          <p:cNvGraphicFramePr/>
+          <p:nvPr>
+            <p:extLst>
+              <p:ext uri="{D42A27DB-BD31-4B8C-83A1-F6EECF244321}">
+                <p14:modId xmlns:p14="http://schemas.microsoft.com/office/powerpoint/2010/main" val="3470583773"/>
+              </p:ext>
+            </p:extLst>
+          </p:nvPr>
+        </p:nvGraphicFramePr>
+        <p:xfrm>
+          <a:off x="385078" y="1860640"/>
+          <a:ext cx="8346798" cy="4064000"/>
+        </p:xfrm>
+        <a:graphic>
+          <a:graphicData uri="http://schemas.openxmlformats.org/drawingml/2006/diagram">
+            <dgm:relIds xmlns:dgm="http://schemas.openxmlformats.org/drawingml/2006/diagram" xmlns:r="http://schemas.openxmlformats.org/officeDocument/2006/relationships" r:dm="rId2" r:lo="rId3" r:qs="rId4" r:cs="rId5"/>
+          </a:graphicData>
+        </a:graphic>
+      </p:graphicFrame>
+      <p:pic>
+        <p:nvPicPr>
+          <p:cNvPr id="11" name="Picture 10"/>
+          <p:cNvPicPr>
+            <a:picLocks noChangeAspect="1"/>
+          </p:cNvPicPr>
+          <p:nvPr/>
+        </p:nvPicPr>
+        <p:blipFill>
+          <a:blip r:embed="rId7">
+            <a:extLst>
+              <a:ext uri="{28A0092B-C50C-407E-A947-70E740481C1C}">
+                <a14:useLocalDpi xmlns:a14="http://schemas.microsoft.com/office/drawing/2010/main" val="0"/>
+              </a:ext>
+            </a:extLst>
+          </a:blip>
+          <a:stretch>
+            <a:fillRect/>
+          </a:stretch>
+        </p:blipFill>
+        <p:spPr>
+          <a:xfrm>
+            <a:off x="715581" y="1916371"/>
+            <a:ext cx="665294" cy="665294"/>
+          </a:xfrm>
+          <a:prstGeom prst="rect">
+            <a:avLst/>
+          </a:prstGeom>
+        </p:spPr>
+      </p:pic>
+      <p:pic>
+        <p:nvPicPr>
+          <p:cNvPr id="12" name="Picture 11"/>
+          <p:cNvPicPr>
+            <a:picLocks noChangeAspect="1"/>
+          </p:cNvPicPr>
+          <p:nvPr/>
+        </p:nvPicPr>
+        <p:blipFill>
+          <a:blip r:embed="rId7">
+            <a:extLst>
+              <a:ext uri="{28A0092B-C50C-407E-A947-70E740481C1C}">
+                <a14:useLocalDpi xmlns:a14="http://schemas.microsoft.com/office/drawing/2010/main" val="0"/>
+              </a:ext>
+            </a:extLst>
+          </a:blip>
+          <a:stretch>
+            <a:fillRect/>
+          </a:stretch>
+        </p:blipFill>
+        <p:spPr>
+          <a:xfrm>
+            <a:off x="715581" y="3011127"/>
+            <a:ext cx="665294" cy="665294"/>
+          </a:xfrm>
+          <a:prstGeom prst="rect">
+            <a:avLst/>
+          </a:prstGeom>
+        </p:spPr>
+      </p:pic>
+      <p:pic>
+        <p:nvPicPr>
+          <p:cNvPr id="13" name="Picture 12"/>
+          <p:cNvPicPr>
+            <a:picLocks noChangeAspect="1"/>
+          </p:cNvPicPr>
+          <p:nvPr/>
+        </p:nvPicPr>
+        <p:blipFill>
+          <a:blip r:embed="rId7">
+            <a:extLst>
+              <a:ext uri="{28A0092B-C50C-407E-A947-70E740481C1C}">
+                <a14:useLocalDpi xmlns:a14="http://schemas.microsoft.com/office/drawing/2010/main" val="0"/>
+              </a:ext>
+            </a:extLst>
+          </a:blip>
+          <a:stretch>
+            <a:fillRect/>
+          </a:stretch>
+        </p:blipFill>
+        <p:spPr>
+          <a:xfrm>
+            <a:off x="715581" y="4105883"/>
+            <a:ext cx="665294" cy="665294"/>
+          </a:xfrm>
+          <a:prstGeom prst="rect">
+            <a:avLst/>
+          </a:prstGeom>
+        </p:spPr>
+      </p:pic>
+      <p:pic>
+        <p:nvPicPr>
+          <p:cNvPr id="14" name="Picture 13"/>
+          <p:cNvPicPr>
+            <a:picLocks noChangeAspect="1"/>
+          </p:cNvPicPr>
+          <p:nvPr/>
+        </p:nvPicPr>
+        <p:blipFill>
+          <a:blip r:embed="rId8">
+            <a:extLst>
+              <a:ext uri="{28A0092B-C50C-407E-A947-70E740481C1C}">
+                <a14:useLocalDpi xmlns:a14="http://schemas.microsoft.com/office/drawing/2010/main" val="0"/>
+              </a:ext>
+            </a:extLst>
+          </a:blip>
+          <a:stretch>
+            <a:fillRect/>
+          </a:stretch>
+        </p:blipFill>
+        <p:spPr>
+          <a:xfrm>
+            <a:off x="715581" y="5200639"/>
+            <a:ext cx="665294" cy="665294"/>
+          </a:xfrm>
+          <a:prstGeom prst="rect">
+            <a:avLst/>
+          </a:prstGeom>
+        </p:spPr>
+      </p:pic>
     </p:spTree>
     <p:extLst>
       <p:ext uri="{BB962C8B-B14F-4D97-AF65-F5344CB8AC3E}">
@@ -25050,7 +28505,394 @@
   <p:timing>
     <p:tnLst>
       <p:par>
-        <p:cTn id="1" dur="indefinite" restart="never" nodeType="tmRoot"/>
+        <p:cTn id="1" dur="indefinite" restart="never" nodeType="tmRoot">
+          <p:childTnLst>
+            <p:seq concurrent="1" nextAc="seek">
+              <p:cTn id="2" dur="indefinite" nodeType="mainSeq">
+                <p:childTnLst>
+                  <p:par>
+                    <p:cTn id="3" fill="hold">
+                      <p:stCondLst>
+                        <p:cond delay="indefinite"/>
+                      </p:stCondLst>
+                      <p:childTnLst>
+                        <p:par>
+                          <p:cTn id="4" fill="hold">
+                            <p:stCondLst>
+                              <p:cond delay="0"/>
+                            </p:stCondLst>
+                            <p:childTnLst>
+                              <p:par>
+                                <p:cTn id="5" presetID="2" presetClass="entr" presetSubtype="8" fill="hold" nodeType="clickEffect">
+                                  <p:stCondLst>
+                                    <p:cond delay="0"/>
+                                  </p:stCondLst>
+                                  <p:childTnLst>
+                                    <p:set>
+                                      <p:cBhvr>
+                                        <p:cTn id="6" dur="1" fill="hold">
+                                          <p:stCondLst>
+                                            <p:cond delay="0"/>
+                                          </p:stCondLst>
+                                        </p:cTn>
+                                        <p:tgtEl>
+                                          <p:spTgt spid="11"/>
+                                        </p:tgtEl>
+                                        <p:attrNameLst>
+                                          <p:attrName>style.visibility</p:attrName>
+                                        </p:attrNameLst>
+                                      </p:cBhvr>
+                                      <p:to>
+                                        <p:strVal val="visible"/>
+                                      </p:to>
+                                    </p:set>
+                                    <p:anim calcmode="lin" valueType="num">
+                                      <p:cBhvr additive="base">
+                                        <p:cTn id="7" dur="500" fill="hold"/>
+                                        <p:tgtEl>
+                                          <p:spTgt spid="11"/>
+                                        </p:tgtEl>
+                                        <p:attrNameLst>
+                                          <p:attrName>ppt_x</p:attrName>
+                                        </p:attrNameLst>
+                                      </p:cBhvr>
+                                      <p:tavLst>
+                                        <p:tav tm="0">
+                                          <p:val>
+                                            <p:strVal val="0-#ppt_w/2"/>
+                                          </p:val>
+                                        </p:tav>
+                                        <p:tav tm="100000">
+                                          <p:val>
+                                            <p:strVal val="#ppt_x"/>
+                                          </p:val>
+                                        </p:tav>
+                                      </p:tavLst>
+                                    </p:anim>
+                                    <p:anim calcmode="lin" valueType="num">
+                                      <p:cBhvr additive="base">
+                                        <p:cTn id="8" dur="500" fill="hold"/>
+                                        <p:tgtEl>
+                                          <p:spTgt spid="11"/>
+                                        </p:tgtEl>
+                                        <p:attrNameLst>
+                                          <p:attrName>ppt_y</p:attrName>
+                                        </p:attrNameLst>
+                                      </p:cBhvr>
+                                      <p:tavLst>
+                                        <p:tav tm="0">
+                                          <p:val>
+                                            <p:strVal val="#ppt_y"/>
+                                          </p:val>
+                                        </p:tav>
+                                        <p:tav tm="100000">
+                                          <p:val>
+                                            <p:strVal val="#ppt_y"/>
+                                          </p:val>
+                                        </p:tav>
+                                      </p:tavLst>
+                                    </p:anim>
+                                  </p:childTnLst>
+                                </p:cTn>
+                              </p:par>
+                            </p:childTnLst>
+                          </p:cTn>
+                        </p:par>
+                      </p:childTnLst>
+                    </p:cTn>
+                  </p:par>
+                  <p:par>
+                    <p:cTn id="9" fill="hold">
+                      <p:stCondLst>
+                        <p:cond delay="indefinite"/>
+                      </p:stCondLst>
+                      <p:childTnLst>
+                        <p:par>
+                          <p:cTn id="10" fill="hold">
+                            <p:stCondLst>
+                              <p:cond delay="0"/>
+                            </p:stCondLst>
+                            <p:childTnLst>
+                              <p:par>
+                                <p:cTn id="11" presetID="2" presetClass="entr" presetSubtype="8" fill="hold" nodeType="clickEffect">
+                                  <p:stCondLst>
+                                    <p:cond delay="0"/>
+                                  </p:stCondLst>
+                                  <p:childTnLst>
+                                    <p:set>
+                                      <p:cBhvr>
+                                        <p:cTn id="12" dur="1" fill="hold">
+                                          <p:stCondLst>
+                                            <p:cond delay="0"/>
+                                          </p:stCondLst>
+                                        </p:cTn>
+                                        <p:tgtEl>
+                                          <p:spTgt spid="12"/>
+                                        </p:tgtEl>
+                                        <p:attrNameLst>
+                                          <p:attrName>style.visibility</p:attrName>
+                                        </p:attrNameLst>
+                                      </p:cBhvr>
+                                      <p:to>
+                                        <p:strVal val="visible"/>
+                                      </p:to>
+                                    </p:set>
+                                    <p:anim calcmode="lin" valueType="num">
+                                      <p:cBhvr additive="base">
+                                        <p:cTn id="13" dur="500" fill="hold"/>
+                                        <p:tgtEl>
+                                          <p:spTgt spid="12"/>
+                                        </p:tgtEl>
+                                        <p:attrNameLst>
+                                          <p:attrName>ppt_x</p:attrName>
+                                        </p:attrNameLst>
+                                      </p:cBhvr>
+                                      <p:tavLst>
+                                        <p:tav tm="0">
+                                          <p:val>
+                                            <p:strVal val="0-#ppt_w/2"/>
+                                          </p:val>
+                                        </p:tav>
+                                        <p:tav tm="100000">
+                                          <p:val>
+                                            <p:strVal val="#ppt_x"/>
+                                          </p:val>
+                                        </p:tav>
+                                      </p:tavLst>
+                                    </p:anim>
+                                    <p:anim calcmode="lin" valueType="num">
+                                      <p:cBhvr additive="base">
+                                        <p:cTn id="14" dur="500" fill="hold"/>
+                                        <p:tgtEl>
+                                          <p:spTgt spid="12"/>
+                                        </p:tgtEl>
+                                        <p:attrNameLst>
+                                          <p:attrName>ppt_y</p:attrName>
+                                        </p:attrNameLst>
+                                      </p:cBhvr>
+                                      <p:tavLst>
+                                        <p:tav tm="0">
+                                          <p:val>
+                                            <p:strVal val="#ppt_y"/>
+                                          </p:val>
+                                        </p:tav>
+                                        <p:tav tm="100000">
+                                          <p:val>
+                                            <p:strVal val="#ppt_y"/>
+                                          </p:val>
+                                        </p:tav>
+                                      </p:tavLst>
+                                    </p:anim>
+                                  </p:childTnLst>
+                                </p:cTn>
+                              </p:par>
+                            </p:childTnLst>
+                          </p:cTn>
+                        </p:par>
+                      </p:childTnLst>
+                    </p:cTn>
+                  </p:par>
+                  <p:par>
+                    <p:cTn id="15" fill="hold">
+                      <p:stCondLst>
+                        <p:cond delay="indefinite"/>
+                      </p:stCondLst>
+                      <p:childTnLst>
+                        <p:par>
+                          <p:cTn id="16" fill="hold">
+                            <p:stCondLst>
+                              <p:cond delay="0"/>
+                            </p:stCondLst>
+                            <p:childTnLst>
+                              <p:par>
+                                <p:cTn id="17" presetID="2" presetClass="entr" presetSubtype="8" fill="hold" nodeType="clickEffect">
+                                  <p:stCondLst>
+                                    <p:cond delay="0"/>
+                                  </p:stCondLst>
+                                  <p:childTnLst>
+                                    <p:set>
+                                      <p:cBhvr>
+                                        <p:cTn id="18" dur="1" fill="hold">
+                                          <p:stCondLst>
+                                            <p:cond delay="0"/>
+                                          </p:stCondLst>
+                                        </p:cTn>
+                                        <p:tgtEl>
+                                          <p:spTgt spid="13"/>
+                                        </p:tgtEl>
+                                        <p:attrNameLst>
+                                          <p:attrName>style.visibility</p:attrName>
+                                        </p:attrNameLst>
+                                      </p:cBhvr>
+                                      <p:to>
+                                        <p:strVal val="visible"/>
+                                      </p:to>
+                                    </p:set>
+                                    <p:anim calcmode="lin" valueType="num">
+                                      <p:cBhvr additive="base">
+                                        <p:cTn id="19" dur="500" fill="hold"/>
+                                        <p:tgtEl>
+                                          <p:spTgt spid="13"/>
+                                        </p:tgtEl>
+                                        <p:attrNameLst>
+                                          <p:attrName>ppt_x</p:attrName>
+                                        </p:attrNameLst>
+                                      </p:cBhvr>
+                                      <p:tavLst>
+                                        <p:tav tm="0">
+                                          <p:val>
+                                            <p:strVal val="0-#ppt_w/2"/>
+                                          </p:val>
+                                        </p:tav>
+                                        <p:tav tm="100000">
+                                          <p:val>
+                                            <p:strVal val="#ppt_x"/>
+                                          </p:val>
+                                        </p:tav>
+                                      </p:tavLst>
+                                    </p:anim>
+                                    <p:anim calcmode="lin" valueType="num">
+                                      <p:cBhvr additive="base">
+                                        <p:cTn id="20" dur="500" fill="hold"/>
+                                        <p:tgtEl>
+                                          <p:spTgt spid="13"/>
+                                        </p:tgtEl>
+                                        <p:attrNameLst>
+                                          <p:attrName>ppt_y</p:attrName>
+                                        </p:attrNameLst>
+                                      </p:cBhvr>
+                                      <p:tavLst>
+                                        <p:tav tm="0">
+                                          <p:val>
+                                            <p:strVal val="#ppt_y"/>
+                                          </p:val>
+                                        </p:tav>
+                                        <p:tav tm="100000">
+                                          <p:val>
+                                            <p:strVal val="#ppt_y"/>
+                                          </p:val>
+                                        </p:tav>
+                                      </p:tavLst>
+                                    </p:anim>
+                                  </p:childTnLst>
+                                </p:cTn>
+                              </p:par>
+                            </p:childTnLst>
+                          </p:cTn>
+                        </p:par>
+                      </p:childTnLst>
+                    </p:cTn>
+                  </p:par>
+                  <p:par>
+                    <p:cTn id="21" fill="hold">
+                      <p:stCondLst>
+                        <p:cond delay="indefinite"/>
+                      </p:stCondLst>
+                      <p:childTnLst>
+                        <p:par>
+                          <p:cTn id="22" fill="hold">
+                            <p:stCondLst>
+                              <p:cond delay="0"/>
+                            </p:stCondLst>
+                            <p:childTnLst>
+                              <p:par>
+                                <p:cTn id="23" presetID="2" presetClass="entr" presetSubtype="8" fill="hold" nodeType="clickEffect">
+                                  <p:stCondLst>
+                                    <p:cond delay="0"/>
+                                  </p:stCondLst>
+                                  <p:childTnLst>
+                                    <p:set>
+                                      <p:cBhvr>
+                                        <p:cTn id="24" dur="1" fill="hold">
+                                          <p:stCondLst>
+                                            <p:cond delay="0"/>
+                                          </p:stCondLst>
+                                        </p:cTn>
+                                        <p:tgtEl>
+                                          <p:spTgt spid="14"/>
+                                        </p:tgtEl>
+                                        <p:attrNameLst>
+                                          <p:attrName>style.visibility</p:attrName>
+                                        </p:attrNameLst>
+                                      </p:cBhvr>
+                                      <p:to>
+                                        <p:strVal val="visible"/>
+                                      </p:to>
+                                    </p:set>
+                                    <p:anim calcmode="lin" valueType="num">
+                                      <p:cBhvr additive="base">
+                                        <p:cTn id="25" dur="500" fill="hold"/>
+                                        <p:tgtEl>
+                                          <p:spTgt spid="14"/>
+                                        </p:tgtEl>
+                                        <p:attrNameLst>
+                                          <p:attrName>ppt_x</p:attrName>
+                                        </p:attrNameLst>
+                                      </p:cBhvr>
+                                      <p:tavLst>
+                                        <p:tav tm="0">
+                                          <p:val>
+                                            <p:strVal val="0-#ppt_w/2"/>
+                                          </p:val>
+                                        </p:tav>
+                                        <p:tav tm="100000">
+                                          <p:val>
+                                            <p:strVal val="#ppt_x"/>
+                                          </p:val>
+                                        </p:tav>
+                                      </p:tavLst>
+                                    </p:anim>
+                                    <p:anim calcmode="lin" valueType="num">
+                                      <p:cBhvr additive="base">
+                                        <p:cTn id="26" dur="500" fill="hold"/>
+                                        <p:tgtEl>
+                                          <p:spTgt spid="14"/>
+                                        </p:tgtEl>
+                                        <p:attrNameLst>
+                                          <p:attrName>ppt_y</p:attrName>
+                                        </p:attrNameLst>
+                                      </p:cBhvr>
+                                      <p:tavLst>
+                                        <p:tav tm="0">
+                                          <p:val>
+                                            <p:strVal val="#ppt_y"/>
+                                          </p:val>
+                                        </p:tav>
+                                        <p:tav tm="100000">
+                                          <p:val>
+                                            <p:strVal val="#ppt_y"/>
+                                          </p:val>
+                                        </p:tav>
+                                      </p:tavLst>
+                                    </p:anim>
+                                  </p:childTnLst>
+                                </p:cTn>
+                              </p:par>
+                            </p:childTnLst>
+                          </p:cTn>
+                        </p:par>
+                      </p:childTnLst>
+                    </p:cTn>
+                  </p:par>
+                </p:childTnLst>
+              </p:cTn>
+              <p:prevCondLst>
+                <p:cond evt="onPrev" delay="0">
+                  <p:tgtEl>
+                    <p:sldTgt/>
+                  </p:tgtEl>
+                </p:cond>
+              </p:prevCondLst>
+              <p:nextCondLst>
+                <p:cond evt="onNext" delay="0">
+                  <p:tgtEl>
+                    <p:sldTgt/>
+                  </p:tgtEl>
+                </p:cond>
+              </p:nextCondLst>
+            </p:seq>
+          </p:childTnLst>
+        </p:cTn>
       </p:par>
     </p:tnLst>
   </p:timing>
@@ -25235,7 +29077,6 @@
               <a:rPr lang="en-US" sz="2800" dirty="0" smtClean="0"/>
               <a:t>Save time to find maid.</a:t>
             </a:r>
-            <a:endParaRPr lang="en-US" sz="2800" dirty="0" smtClean="0"/>
           </a:p>
           <a:p>
             <a:endParaRPr lang="en-US" sz="1800" dirty="0"/>
